--- a/Presentation/02 - Blazor - Komponenty.pptx
+++ b/Presentation/02 - Blazor - Komponenty.pptx
@@ -241,7 +241,7 @@
             <a:fld id="{A74C3DD1-6B4C-423E-A696-BD4124EC33BC}" type="datetimeFigureOut">
               <a:rPr lang="cs-CZ" smtClean="0"/>
               <a:pPr/>
-              <a:t>20.02.2020</a:t>
+              <a:t>27.02.2020</a:t>
             </a:fld>
             <a:endParaRPr lang="cs-CZ" dirty="0"/>
           </a:p>
@@ -708,7 +708,7 @@
           <a:p>
             <a:fld id="{0DA6F2F8-F70A-47D7-AD2D-4F12E71A0C18}" type="datetimeFigureOut">
               <a:rPr lang="cs-CZ" smtClean="0"/>
-              <a:t>20.02.2020</a:t>
+              <a:t>27.02.2020</a:t>
             </a:fld>
             <a:endParaRPr lang="cs-CZ"/>
           </a:p>
@@ -890,7 +890,7 @@
           <a:p>
             <a:fld id="{0DA6F2F8-F70A-47D7-AD2D-4F12E71A0C18}" type="datetimeFigureOut">
               <a:rPr lang="cs-CZ" smtClean="0"/>
-              <a:t>20.02.2020</a:t>
+              <a:t>27.02.2020</a:t>
             </a:fld>
             <a:endParaRPr lang="cs-CZ"/>
           </a:p>
@@ -1082,7 +1082,7 @@
           <a:p>
             <a:fld id="{0DA6F2F8-F70A-47D7-AD2D-4F12E71A0C18}" type="datetimeFigureOut">
               <a:rPr lang="cs-CZ" smtClean="0"/>
-              <a:t>20.02.2020</a:t>
+              <a:t>27.02.2020</a:t>
             </a:fld>
             <a:endParaRPr lang="cs-CZ"/>
           </a:p>
@@ -1297,7 +1297,7 @@
           <a:p>
             <a:fld id="{0DA6F2F8-F70A-47D7-AD2D-4F12E71A0C18}" type="datetimeFigureOut">
               <a:rPr lang="cs-CZ" smtClean="0"/>
-              <a:t>20.02.2020</a:t>
+              <a:t>27.02.2020</a:t>
             </a:fld>
             <a:endParaRPr lang="cs-CZ"/>
           </a:p>
@@ -1572,7 +1572,7 @@
           <a:p>
             <a:fld id="{0DA6F2F8-F70A-47D7-AD2D-4F12E71A0C18}" type="datetimeFigureOut">
               <a:rPr lang="cs-CZ" smtClean="0"/>
-              <a:t>20.02.2020</a:t>
+              <a:t>27.02.2020</a:t>
             </a:fld>
             <a:endParaRPr lang="cs-CZ"/>
           </a:p>
@@ -1889,7 +1889,7 @@
           <a:p>
             <a:fld id="{0DA6F2F8-F70A-47D7-AD2D-4F12E71A0C18}" type="datetimeFigureOut">
               <a:rPr lang="cs-CZ" smtClean="0"/>
-              <a:t>20.02.2020</a:t>
+              <a:t>27.02.2020</a:t>
             </a:fld>
             <a:endParaRPr lang="cs-CZ" dirty="0"/>
           </a:p>
@@ -2340,7 +2340,7 @@
           <a:p>
             <a:fld id="{0DA6F2F8-F70A-47D7-AD2D-4F12E71A0C18}" type="datetimeFigureOut">
               <a:rPr lang="cs-CZ" smtClean="0"/>
-              <a:t>20.02.2020</a:t>
+              <a:t>27.02.2020</a:t>
             </a:fld>
             <a:endParaRPr lang="cs-CZ"/>
           </a:p>
@@ -2487,7 +2487,7 @@
           <a:p>
             <a:fld id="{0DA6F2F8-F70A-47D7-AD2D-4F12E71A0C18}" type="datetimeFigureOut">
               <a:rPr lang="cs-CZ" smtClean="0"/>
-              <a:t>20.02.2020</a:t>
+              <a:t>27.02.2020</a:t>
             </a:fld>
             <a:endParaRPr lang="cs-CZ"/>
           </a:p>
@@ -2594,7 +2594,7 @@
           <a:p>
             <a:fld id="{0DA6F2F8-F70A-47D7-AD2D-4F12E71A0C18}" type="datetimeFigureOut">
               <a:rPr lang="cs-CZ" smtClean="0"/>
-              <a:t>20.02.2020</a:t>
+              <a:t>27.02.2020</a:t>
             </a:fld>
             <a:endParaRPr lang="cs-CZ"/>
           </a:p>
@@ -2885,7 +2885,7 @@
           <a:p>
             <a:fld id="{0DA6F2F8-F70A-47D7-AD2D-4F12E71A0C18}" type="datetimeFigureOut">
               <a:rPr lang="cs-CZ" smtClean="0"/>
-              <a:t>20.02.2020</a:t>
+              <a:t>27.02.2020</a:t>
             </a:fld>
             <a:endParaRPr lang="cs-CZ"/>
           </a:p>
@@ -3154,7 +3154,7 @@
           <a:p>
             <a:fld id="{0DA6F2F8-F70A-47D7-AD2D-4F12E71A0C18}" type="datetimeFigureOut">
               <a:rPr lang="cs-CZ" smtClean="0"/>
-              <a:t>20.02.2020</a:t>
+              <a:t>27.02.2020</a:t>
             </a:fld>
             <a:endParaRPr lang="cs-CZ"/>
           </a:p>
@@ -3418,7 +3418,7 @@
           <a:p>
             <a:fld id="{0DA6F2F8-F70A-47D7-AD2D-4F12E71A0C18}" type="datetimeFigureOut">
               <a:rPr lang="cs-CZ" smtClean="0"/>
-              <a:t>20.02.2020</a:t>
+              <a:t>27.02.2020</a:t>
             </a:fld>
             <a:endParaRPr lang="cs-CZ"/>
           </a:p>
@@ -4796,12 +4796,9 @@
 </file>
 
 <file path=customXml/item1.xml><?xml version="1.0" encoding="utf-8"?>
-<?mso-contentType ?>
-<FormTemplates xmlns="http://schemas.microsoft.com/sharepoint/v3/contenttype/forms">
-  <Display>DocumentLibraryForm</Display>
-  <Edit>DocumentLibraryForm</Edit>
-  <New>DocumentLibraryForm</New>
-</FormTemplates>
+<p:properties xmlns:p="http://schemas.microsoft.com/office/2006/metadata/properties" xmlns:xsi="http://www.w3.org/2001/XMLSchema-instance" xmlns:pc="http://schemas.microsoft.com/office/infopath/2007/PartnerControls">
+  <documentManagement/>
+</p:properties>
 </file>
 
 <file path=customXml/item2.xml><?xml version="1.0" encoding="utf-8"?>
@@ -4919,15 +4916,19 @@
 </file>
 
 <file path=customXml/item3.xml><?xml version="1.0" encoding="utf-8"?>
-<p:properties xmlns:p="http://schemas.microsoft.com/office/2006/metadata/properties" xmlns:xsi="http://www.w3.org/2001/XMLSchema-instance" xmlns:pc="http://schemas.microsoft.com/office/infopath/2007/PartnerControls">
-  <documentManagement/>
-</p:properties>
+<?mso-contentType ?>
+<FormTemplates xmlns="http://schemas.microsoft.com/sharepoint/v3/contenttype/forms">
+  <Display>DocumentLibraryForm</Display>
+  <Edit>DocumentLibraryForm</Edit>
+  <New>DocumentLibraryForm</New>
+</FormTemplates>
 </file>
 
 <file path=customXml/itemProps1.xml><?xml version="1.0" encoding="utf-8"?>
-<ds:datastoreItem xmlns:ds="http://schemas.openxmlformats.org/officeDocument/2006/customXml" ds:itemID="{B22238E5-BDC0-4655-AFB5-A7405C559E7D}">
+<ds:datastoreItem xmlns:ds="http://schemas.openxmlformats.org/officeDocument/2006/customXml" ds:itemID="{317FD51D-081C-435E-8F5D-6D88218064D9}">
   <ds:schemaRefs>
-    <ds:schemaRef ds:uri="http://schemas.microsoft.com/sharepoint/v3/contenttype/forms"/>
+    <ds:schemaRef ds:uri="http://schemas.microsoft.com/office/2006/metadata/properties"/>
+    <ds:schemaRef ds:uri="http://schemas.microsoft.com/office/infopath/2007/PartnerControls"/>
   </ds:schemaRefs>
 </ds:datastoreItem>
 </file>
@@ -4949,10 +4950,9 @@
 </file>
 
 <file path=customXml/itemProps3.xml><?xml version="1.0" encoding="utf-8"?>
-<ds:datastoreItem xmlns:ds="http://schemas.openxmlformats.org/officeDocument/2006/customXml" ds:itemID="{317FD51D-081C-435E-8F5D-6D88218064D9}">
+<ds:datastoreItem xmlns:ds="http://schemas.openxmlformats.org/officeDocument/2006/customXml" ds:itemID="{B22238E5-BDC0-4655-AFB5-A7405C559E7D}">
   <ds:schemaRefs>
-    <ds:schemaRef ds:uri="http://schemas.microsoft.com/office/2006/metadata/properties"/>
-    <ds:schemaRef ds:uri="http://schemas.microsoft.com/office/infopath/2007/PartnerControls"/>
+    <ds:schemaRef ds:uri="http://schemas.microsoft.com/sharepoint/v3/contenttype/forms"/>
   </ds:schemaRefs>
 </ds:datastoreItem>
 </file>
--- a/Presentation/02 - Blazor - Komponenty.pptx
+++ b/Presentation/02 - Blazor - Komponenty.pptx
@@ -5,12 +5,19 @@
     <p:sldMasterId id="2147483794" r:id="rId4"/>
   </p:sldMasterIdLst>
   <p:notesMasterIdLst>
-    <p:notesMasterId r:id="rId8"/>
+    <p:notesMasterId r:id="rId15"/>
   </p:notesMasterIdLst>
   <p:sldIdLst>
     <p:sldId id="256" r:id="rId5"/>
-    <p:sldId id="330" r:id="rId6"/>
-    <p:sldId id="329" r:id="rId7"/>
+    <p:sldId id="339" r:id="rId6"/>
+    <p:sldId id="330" r:id="rId7"/>
+    <p:sldId id="331" r:id="rId8"/>
+    <p:sldId id="333" r:id="rId9"/>
+    <p:sldId id="334" r:id="rId10"/>
+    <p:sldId id="335" r:id="rId11"/>
+    <p:sldId id="336" r:id="rId12"/>
+    <p:sldId id="337" r:id="rId13"/>
+    <p:sldId id="329" r:id="rId14"/>
   </p:sldIdLst>
   <p:sldSz cx="12192000" cy="6858000"/>
   <p:notesSz cx="6858000" cy="9144000"/>
@@ -241,7 +248,7 @@
             <a:fld id="{A74C3DD1-6B4C-423E-A696-BD4124EC33BC}" type="datetimeFigureOut">
               <a:rPr lang="cs-CZ" smtClean="0"/>
               <a:pPr/>
-              <a:t>27.02.2020</a:t>
+              <a:t>10.03.2020</a:t>
             </a:fld>
             <a:endParaRPr lang="cs-CZ" dirty="0"/>
           </a:p>
@@ -708,7 +715,7 @@
           <a:p>
             <a:fld id="{0DA6F2F8-F70A-47D7-AD2D-4F12E71A0C18}" type="datetimeFigureOut">
               <a:rPr lang="cs-CZ" smtClean="0"/>
-              <a:t>27.02.2020</a:t>
+              <a:t>10.03.2020</a:t>
             </a:fld>
             <a:endParaRPr lang="cs-CZ"/>
           </a:p>
@@ -890,7 +897,7 @@
           <a:p>
             <a:fld id="{0DA6F2F8-F70A-47D7-AD2D-4F12E71A0C18}" type="datetimeFigureOut">
               <a:rPr lang="cs-CZ" smtClean="0"/>
-              <a:t>27.02.2020</a:t>
+              <a:t>10.03.2020</a:t>
             </a:fld>
             <a:endParaRPr lang="cs-CZ"/>
           </a:p>
@@ -1082,7 +1089,7 @@
           <a:p>
             <a:fld id="{0DA6F2F8-F70A-47D7-AD2D-4F12E71A0C18}" type="datetimeFigureOut">
               <a:rPr lang="cs-CZ" smtClean="0"/>
-              <a:t>27.02.2020</a:t>
+              <a:t>10.03.2020</a:t>
             </a:fld>
             <a:endParaRPr lang="cs-CZ"/>
           </a:p>
@@ -1297,7 +1304,7 @@
           <a:p>
             <a:fld id="{0DA6F2F8-F70A-47D7-AD2D-4F12E71A0C18}" type="datetimeFigureOut">
               <a:rPr lang="cs-CZ" smtClean="0"/>
-              <a:t>27.02.2020</a:t>
+              <a:t>10.03.2020</a:t>
             </a:fld>
             <a:endParaRPr lang="cs-CZ"/>
           </a:p>
@@ -1572,7 +1579,7 @@
           <a:p>
             <a:fld id="{0DA6F2F8-F70A-47D7-AD2D-4F12E71A0C18}" type="datetimeFigureOut">
               <a:rPr lang="cs-CZ" smtClean="0"/>
-              <a:t>27.02.2020</a:t>
+              <a:t>10.03.2020</a:t>
             </a:fld>
             <a:endParaRPr lang="cs-CZ"/>
           </a:p>
@@ -1889,7 +1896,7 @@
           <a:p>
             <a:fld id="{0DA6F2F8-F70A-47D7-AD2D-4F12E71A0C18}" type="datetimeFigureOut">
               <a:rPr lang="cs-CZ" smtClean="0"/>
-              <a:t>27.02.2020</a:t>
+              <a:t>10.03.2020</a:t>
             </a:fld>
             <a:endParaRPr lang="cs-CZ" dirty="0"/>
           </a:p>
@@ -2340,7 +2347,7 @@
           <a:p>
             <a:fld id="{0DA6F2F8-F70A-47D7-AD2D-4F12E71A0C18}" type="datetimeFigureOut">
               <a:rPr lang="cs-CZ" smtClean="0"/>
-              <a:t>27.02.2020</a:t>
+              <a:t>10.03.2020</a:t>
             </a:fld>
             <a:endParaRPr lang="cs-CZ"/>
           </a:p>
@@ -2487,7 +2494,7 @@
           <a:p>
             <a:fld id="{0DA6F2F8-F70A-47D7-AD2D-4F12E71A0C18}" type="datetimeFigureOut">
               <a:rPr lang="cs-CZ" smtClean="0"/>
-              <a:t>27.02.2020</a:t>
+              <a:t>10.03.2020</a:t>
             </a:fld>
             <a:endParaRPr lang="cs-CZ"/>
           </a:p>
@@ -2594,7 +2601,7 @@
           <a:p>
             <a:fld id="{0DA6F2F8-F70A-47D7-AD2D-4F12E71A0C18}" type="datetimeFigureOut">
               <a:rPr lang="cs-CZ" smtClean="0"/>
-              <a:t>27.02.2020</a:t>
+              <a:t>10.03.2020</a:t>
             </a:fld>
             <a:endParaRPr lang="cs-CZ"/>
           </a:p>
@@ -2885,7 +2892,7 @@
           <a:p>
             <a:fld id="{0DA6F2F8-F70A-47D7-AD2D-4F12E71A0C18}" type="datetimeFigureOut">
               <a:rPr lang="cs-CZ" smtClean="0"/>
-              <a:t>27.02.2020</a:t>
+              <a:t>10.03.2020</a:t>
             </a:fld>
             <a:endParaRPr lang="cs-CZ"/>
           </a:p>
@@ -3154,7 +3161,7 @@
           <a:p>
             <a:fld id="{0DA6F2F8-F70A-47D7-AD2D-4F12E71A0C18}" type="datetimeFigureOut">
               <a:rPr lang="cs-CZ" smtClean="0"/>
-              <a:t>27.02.2020</a:t>
+              <a:t>10.03.2020</a:t>
             </a:fld>
             <a:endParaRPr lang="cs-CZ"/>
           </a:p>
@@ -3418,7 +3425,7 @@
           <a:p>
             <a:fld id="{0DA6F2F8-F70A-47D7-AD2D-4F12E71A0C18}" type="datetimeFigureOut">
               <a:rPr lang="cs-CZ" smtClean="0"/>
-              <a:t>27.02.2020</a:t>
+              <a:t>10.03.2020</a:t>
             </a:fld>
             <a:endParaRPr lang="cs-CZ"/>
           </a:p>
@@ -3895,7 +3902,7 @@
 </p:sld>
 </file>
 
-<file path=ppt/slides/slide2.xml><?xml version="1.0" encoding="utf-8"?>
+<file path=ppt/slides/slide10.xml><?xml version="1.0" encoding="utf-8"?>
 <p:sld xmlns:a="http://schemas.openxmlformats.org/drawingml/2006/main" xmlns:r="http://schemas.openxmlformats.org/officeDocument/2006/relationships" xmlns:p="http://schemas.openxmlformats.org/presentationml/2006/main">
   <p:cSld>
     <p:spTree>
@@ -3917,182 +3924,6 @@
           <p:cNvPr id="2" name="Title 1">
             <a:extLst>
               <a:ext uri="{FF2B5EF4-FFF2-40B4-BE49-F238E27FC236}">
-                <a16:creationId xmlns:a16="http://schemas.microsoft.com/office/drawing/2014/main" id="{CB04C9BE-800B-49A7-A08D-CEB5CED67FDD}"/>
-              </a:ext>
-            </a:extLst>
-          </p:cNvPr>
-          <p:cNvSpPr>
-            <a:spLocks noGrp="1"/>
-          </p:cNvSpPr>
-          <p:nvPr>
-            <p:ph type="title"/>
-          </p:nvPr>
-        </p:nvSpPr>
-        <p:spPr/>
-        <p:txBody>
-          <a:bodyPr/>
-          <a:lstStyle/>
-          <a:p>
-            <a:r>
-              <a:rPr lang="cs-CZ" dirty="0"/>
-              <a:t>Komponenty</a:t>
-            </a:r>
-          </a:p>
-        </p:txBody>
-      </p:sp>
-      <p:sp>
-        <p:nvSpPr>
-          <p:cNvPr id="3" name="Content Placeholder 2">
-            <a:extLst>
-              <a:ext uri="{FF2B5EF4-FFF2-40B4-BE49-F238E27FC236}">
-                <a16:creationId xmlns:a16="http://schemas.microsoft.com/office/drawing/2014/main" id="{FB418A4C-9A9B-4499-B759-9AF77915E766}"/>
-              </a:ext>
-            </a:extLst>
-          </p:cNvPr>
-          <p:cNvSpPr>
-            <a:spLocks noGrp="1"/>
-          </p:cNvSpPr>
-          <p:nvPr>
-            <p:ph idx="1"/>
-          </p:nvPr>
-        </p:nvSpPr>
-        <p:spPr/>
-        <p:txBody>
-          <a:bodyPr>
-            <a:normAutofit fontScale="77500" lnSpcReduction="20000"/>
-          </a:bodyPr>
-          <a:lstStyle/>
-          <a:p>
-            <a:r>
-              <a:rPr lang="cs-CZ" dirty="0"/>
-              <a:t>Komponenty</a:t>
-            </a:r>
-          </a:p>
-          <a:p>
-            <a:r>
-              <a:rPr lang="cs-CZ" dirty="0"/>
-              <a:t>Razor</a:t>
-            </a:r>
-          </a:p>
-          <a:p>
-            <a:r>
-              <a:rPr lang="cs-CZ" dirty="0"/>
-              <a:t>Kompilace</a:t>
-            </a:r>
-          </a:p>
-          <a:p>
-            <a:r>
-              <a:rPr lang="cs-CZ" dirty="0"/>
-              <a:t>Parametry</a:t>
-            </a:r>
-          </a:p>
-          <a:p>
-            <a:r>
-              <a:rPr lang="cs-CZ" dirty="0"/>
-              <a:t>Události</a:t>
-            </a:r>
-          </a:p>
-          <a:p>
-            <a:r>
-              <a:rPr lang="cs-CZ" dirty="0"/>
-              <a:t>Child Content</a:t>
-            </a:r>
-          </a:p>
-          <a:p>
-            <a:r>
-              <a:rPr lang="en-US" dirty="0"/>
-              <a:t>Attribute splatting and arbitrary parameters</a:t>
-            </a:r>
-            <a:endParaRPr lang="cs-CZ" dirty="0"/>
-          </a:p>
-          <a:p>
-            <a:r>
-              <a:rPr lang="cs-CZ" dirty="0"/>
-              <a:t>Reference na komponenty</a:t>
-            </a:r>
-          </a:p>
-          <a:p>
-            <a:r>
-              <a:rPr lang="cs-CZ" dirty="0"/>
-              <a:t>@key</a:t>
-            </a:r>
-          </a:p>
-          <a:p>
-            <a:r>
-              <a:rPr lang="cs-CZ" dirty="0"/>
-              <a:t>Partial classes, base classes</a:t>
-            </a:r>
-          </a:p>
-          <a:p>
-            <a:r>
-              <a:rPr lang="cs-CZ" dirty="0"/>
-              <a:t>Raw HTML</a:t>
-            </a:r>
-          </a:p>
-          <a:p>
-            <a:r>
-              <a:rPr lang="cs-CZ" dirty="0"/>
-              <a:t>Cascading values and parameters</a:t>
-            </a:r>
-          </a:p>
-          <a:p>
-            <a:r>
-              <a:rPr lang="cs-CZ" dirty="0"/>
-              <a:t>Stránky</a:t>
-            </a:r>
-          </a:p>
-          <a:p>
-            <a:endParaRPr lang="cs-CZ" dirty="0"/>
-          </a:p>
-        </p:txBody>
-      </p:sp>
-    </p:spTree>
-    <p:extLst>
-      <p:ext uri="{BB962C8B-B14F-4D97-AF65-F5344CB8AC3E}">
-        <p14:creationId xmlns:p14="http://schemas.microsoft.com/office/powerpoint/2010/main" val="1223539491"/>
-      </p:ext>
-    </p:extLst>
-  </p:cSld>
-  <p:clrMapOvr>
-    <a:masterClrMapping/>
-  </p:clrMapOvr>
-  <mc:AlternateContent xmlns:mc="http://schemas.openxmlformats.org/markup-compatibility/2006" xmlns:p14="http://schemas.microsoft.com/office/powerpoint/2010/main">
-    <mc:Choice Requires="p14">
-      <p:transition spd="med" p14:dur="700">
-        <p:fade/>
-      </p:transition>
-    </mc:Choice>
-    <mc:Fallback xmlns="">
-      <p:transition spd="med">
-        <p:fade/>
-      </p:transition>
-    </mc:Fallback>
-  </mc:AlternateContent>
-</p:sld>
-</file>
-
-<file path=ppt/slides/slide3.xml><?xml version="1.0" encoding="utf-8"?>
-<p:sld xmlns:a="http://schemas.openxmlformats.org/drawingml/2006/main" xmlns:r="http://schemas.openxmlformats.org/officeDocument/2006/relationships" xmlns:p="http://schemas.openxmlformats.org/presentationml/2006/main">
-  <p:cSld>
-    <p:spTree>
-      <p:nvGrpSpPr>
-        <p:cNvPr id="1" name=""/>
-        <p:cNvGrpSpPr/>
-        <p:nvPr/>
-      </p:nvGrpSpPr>
-      <p:grpSpPr>
-        <a:xfrm>
-          <a:off x="0" y="0"/>
-          <a:ext cx="0" cy="0"/>
-          <a:chOff x="0" y="0"/>
-          <a:chExt cx="0" cy="0"/>
-        </a:xfrm>
-      </p:grpSpPr>
-      <p:sp>
-        <p:nvSpPr>
-          <p:cNvPr id="2" name="Title 1">
-            <a:extLst>
-              <a:ext uri="{FF2B5EF4-FFF2-40B4-BE49-F238E27FC236}">
                 <a16:creationId xmlns:a16="http://schemas.microsoft.com/office/drawing/2014/main" id="{9157A232-74DF-43A9-9BB1-7FD2335C9421}"/>
               </a:ext>
             </a:extLst>
@@ -4147,7 +3978,7 @@
               <a:rPr lang="cs-CZ" sz="4000" b="1" dirty="0">
                 <a:latin typeface="+mj-lt"/>
               </a:rPr>
-              <a:t>Hostingové modely, debugging</a:t>
+              <a:t>Komponenty</a:t>
             </a:r>
           </a:p>
         </p:txBody>
@@ -4215,6 +4046,1215 @@
     </mc:Choice>
     <mc:Fallback xmlns="">
       <p:transition/>
+    </mc:Fallback>
+  </mc:AlternateContent>
+</p:sld>
+</file>
+
+<file path=ppt/slides/slide2.xml><?xml version="1.0" encoding="utf-8"?>
+<p:sld xmlns:a="http://schemas.openxmlformats.org/drawingml/2006/main" xmlns:r="http://schemas.openxmlformats.org/officeDocument/2006/relationships" xmlns:p="http://schemas.openxmlformats.org/presentationml/2006/main">
+  <p:cSld>
+    <p:spTree>
+      <p:nvGrpSpPr>
+        <p:cNvPr id="1" name=""/>
+        <p:cNvGrpSpPr/>
+        <p:nvPr/>
+      </p:nvGrpSpPr>
+      <p:grpSpPr>
+        <a:xfrm>
+          <a:off x="0" y="0"/>
+          <a:ext cx="0" cy="0"/>
+          <a:chOff x="0" y="0"/>
+          <a:chExt cx="0" cy="0"/>
+        </a:xfrm>
+      </p:grpSpPr>
+      <p:sp>
+        <p:nvSpPr>
+          <p:cNvPr id="2" name="Title 1">
+            <a:extLst>
+              <a:ext uri="{FF2B5EF4-FFF2-40B4-BE49-F238E27FC236}">
+                <a16:creationId xmlns:a16="http://schemas.microsoft.com/office/drawing/2014/main" id="{082F5730-ABE8-47F8-A245-69351DE8A1A6}"/>
+              </a:ext>
+            </a:extLst>
+          </p:cNvPr>
+          <p:cNvSpPr>
+            <a:spLocks noGrp="1"/>
+          </p:cNvSpPr>
+          <p:nvPr>
+            <p:ph type="title"/>
+          </p:nvPr>
+        </p:nvSpPr>
+        <p:spPr/>
+        <p:txBody>
+          <a:bodyPr/>
+          <a:lstStyle/>
+          <a:p>
+            <a:r>
+              <a:rPr lang="cs-CZ" dirty="0"/>
+              <a:t>Komponenty</a:t>
+            </a:r>
+          </a:p>
+        </p:txBody>
+      </p:sp>
+      <p:sp>
+        <p:nvSpPr>
+          <p:cNvPr id="3" name="Content Placeholder 2">
+            <a:extLst>
+              <a:ext uri="{FF2B5EF4-FFF2-40B4-BE49-F238E27FC236}">
+                <a16:creationId xmlns:a16="http://schemas.microsoft.com/office/drawing/2014/main" id="{B7A467A7-9239-440E-860B-379B18D25579}"/>
+              </a:ext>
+            </a:extLst>
+          </p:cNvPr>
+          <p:cNvSpPr>
+            <a:spLocks noGrp="1"/>
+          </p:cNvSpPr>
+          <p:nvPr>
+            <p:ph idx="1"/>
+          </p:nvPr>
+        </p:nvSpPr>
+        <p:spPr/>
+        <p:txBody>
+          <a:bodyPr>
+            <a:normAutofit/>
+          </a:bodyPr>
+          <a:lstStyle/>
+          <a:p>
+            <a:pPr marL="0" indent="0" algn="ctr">
+              <a:buNone/>
+            </a:pPr>
+            <a:r>
+              <a:rPr lang="en-US" sz="3200" dirty="0"/>
+              <a:t>A component is a self-contained chunk of user interface (UI),</a:t>
+            </a:r>
+            <a:br>
+              <a:rPr lang="cs-CZ" sz="3200" dirty="0"/>
+            </a:br>
+            <a:r>
+              <a:rPr lang="en-US" sz="3200" dirty="0"/>
+              <a:t>such as a page, dialog, or form.</a:t>
+            </a:r>
+            <a:br>
+              <a:rPr lang="cs-CZ" sz="3200" dirty="0"/>
+            </a:br>
+            <a:endParaRPr lang="cs-CZ" sz="3200" dirty="0"/>
+          </a:p>
+          <a:p>
+            <a:pPr marL="0" indent="0" algn="ctr">
+              <a:buNone/>
+            </a:pPr>
+            <a:r>
+              <a:rPr lang="en-US" sz="3200" dirty="0"/>
+              <a:t>A component includes HTML markup and the processing logic</a:t>
+            </a:r>
+            <a:br>
+              <a:rPr lang="cs-CZ" sz="3200" dirty="0"/>
+            </a:br>
+            <a:r>
+              <a:rPr lang="en-US" sz="3200" dirty="0"/>
+              <a:t>required to inject data or respond to UI events.</a:t>
+            </a:r>
+            <a:endParaRPr lang="cs-CZ" sz="3200" dirty="0"/>
+          </a:p>
+        </p:txBody>
+      </p:sp>
+    </p:spTree>
+    <p:extLst>
+      <p:ext uri="{BB962C8B-B14F-4D97-AF65-F5344CB8AC3E}">
+        <p14:creationId xmlns:p14="http://schemas.microsoft.com/office/powerpoint/2010/main" val="66192435"/>
+      </p:ext>
+    </p:extLst>
+  </p:cSld>
+  <p:clrMapOvr>
+    <a:masterClrMapping/>
+  </p:clrMapOvr>
+  <mc:AlternateContent xmlns:mc="http://schemas.openxmlformats.org/markup-compatibility/2006" xmlns:p14="http://schemas.microsoft.com/office/powerpoint/2010/main">
+    <mc:Choice Requires="p14">
+      <p:transition spd="med" p14:dur="700">
+        <p:fade/>
+      </p:transition>
+    </mc:Choice>
+    <mc:Fallback xmlns="">
+      <p:transition spd="med">
+        <p:fade/>
+      </p:transition>
+    </mc:Fallback>
+  </mc:AlternateContent>
+</p:sld>
+</file>
+
+<file path=ppt/slides/slide3.xml><?xml version="1.0" encoding="utf-8"?>
+<p:sld xmlns:a="http://schemas.openxmlformats.org/drawingml/2006/main" xmlns:r="http://schemas.openxmlformats.org/officeDocument/2006/relationships" xmlns:p="http://schemas.openxmlformats.org/presentationml/2006/main">
+  <p:cSld>
+    <p:spTree>
+      <p:nvGrpSpPr>
+        <p:cNvPr id="1" name=""/>
+        <p:cNvGrpSpPr/>
+        <p:nvPr/>
+      </p:nvGrpSpPr>
+      <p:grpSpPr>
+        <a:xfrm>
+          <a:off x="0" y="0"/>
+          <a:ext cx="0" cy="0"/>
+          <a:chOff x="0" y="0"/>
+          <a:chExt cx="0" cy="0"/>
+        </a:xfrm>
+      </p:grpSpPr>
+      <p:sp>
+        <p:nvSpPr>
+          <p:cNvPr id="2" name="Title 1">
+            <a:extLst>
+              <a:ext uri="{FF2B5EF4-FFF2-40B4-BE49-F238E27FC236}">
+                <a16:creationId xmlns:a16="http://schemas.microsoft.com/office/drawing/2014/main" id="{CB04C9BE-800B-49A7-A08D-CEB5CED67FDD}"/>
+              </a:ext>
+            </a:extLst>
+          </p:cNvPr>
+          <p:cNvSpPr>
+            <a:spLocks noGrp="1"/>
+          </p:cNvSpPr>
+          <p:nvPr>
+            <p:ph type="title"/>
+          </p:nvPr>
+        </p:nvSpPr>
+        <p:spPr/>
+        <p:txBody>
+          <a:bodyPr/>
+          <a:lstStyle/>
+          <a:p>
+            <a:r>
+              <a:rPr lang="cs-CZ" dirty="0"/>
+              <a:t>Komponenty</a:t>
+            </a:r>
+          </a:p>
+        </p:txBody>
+      </p:sp>
+      <p:sp>
+        <p:nvSpPr>
+          <p:cNvPr id="3" name="Content Placeholder 2">
+            <a:extLst>
+              <a:ext uri="{FF2B5EF4-FFF2-40B4-BE49-F238E27FC236}">
+                <a16:creationId xmlns:a16="http://schemas.microsoft.com/office/drawing/2014/main" id="{FB418A4C-9A9B-4499-B759-9AF77915E766}"/>
+              </a:ext>
+            </a:extLst>
+          </p:cNvPr>
+          <p:cNvSpPr>
+            <a:spLocks noGrp="1"/>
+          </p:cNvSpPr>
+          <p:nvPr>
+            <p:ph idx="1"/>
+          </p:nvPr>
+        </p:nvSpPr>
+        <p:spPr/>
+        <p:txBody>
+          <a:bodyPr numCol="2">
+            <a:normAutofit/>
+          </a:bodyPr>
+          <a:lstStyle/>
+          <a:p>
+            <a:r>
+              <a:rPr lang="cs-CZ" b="1" dirty="0"/>
+              <a:t>Razor</a:t>
+            </a:r>
+          </a:p>
+          <a:p>
+            <a:r>
+              <a:rPr lang="cs-CZ" b="1" dirty="0"/>
+              <a:t>Kompilace</a:t>
+            </a:r>
+          </a:p>
+          <a:p>
+            <a:r>
+              <a:rPr lang="cs-CZ" b="1" dirty="0"/>
+              <a:t>Parametry</a:t>
+            </a:r>
+          </a:p>
+          <a:p>
+            <a:r>
+              <a:rPr lang="cs-CZ" b="1" dirty="0"/>
+              <a:t>Události</a:t>
+            </a:r>
+          </a:p>
+          <a:p>
+            <a:r>
+              <a:rPr lang="cs-CZ" b="1" dirty="0"/>
+              <a:t>Partial classes, base classes</a:t>
+            </a:r>
+          </a:p>
+          <a:p>
+            <a:r>
+              <a:rPr lang="cs-CZ" b="1" dirty="0"/>
+              <a:t>Raw HTML</a:t>
+            </a:r>
+          </a:p>
+          <a:p>
+            <a:r>
+              <a:rPr lang="cs-CZ" b="1" dirty="0"/>
+              <a:t>Cascading values and parameters</a:t>
+            </a:r>
+          </a:p>
+          <a:p>
+            <a:r>
+              <a:rPr lang="cs-CZ" b="1" dirty="0"/>
+              <a:t>Stránky</a:t>
+            </a:r>
+          </a:p>
+          <a:p>
+            <a:r>
+              <a:rPr lang="cs-CZ" dirty="0">
+                <a:solidFill>
+                  <a:schemeClr val="bg1">
+                    <a:lumMod val="65000"/>
+                  </a:schemeClr>
+                </a:solidFill>
+              </a:rPr>
+              <a:t>Child Content</a:t>
+            </a:r>
+          </a:p>
+          <a:p>
+            <a:r>
+              <a:rPr lang="en-US" dirty="0">
+                <a:solidFill>
+                  <a:schemeClr val="bg1">
+                    <a:lumMod val="65000"/>
+                  </a:schemeClr>
+                </a:solidFill>
+              </a:rPr>
+              <a:t>Attribute splatting and arbitrary parameters</a:t>
+            </a:r>
+            <a:endParaRPr lang="cs-CZ" dirty="0">
+              <a:solidFill>
+                <a:schemeClr val="bg1">
+                  <a:lumMod val="65000"/>
+                </a:schemeClr>
+              </a:solidFill>
+            </a:endParaRPr>
+          </a:p>
+          <a:p>
+            <a:r>
+              <a:rPr lang="cs-CZ" dirty="0">
+                <a:solidFill>
+                  <a:schemeClr val="bg1">
+                    <a:lumMod val="65000"/>
+                  </a:schemeClr>
+                </a:solidFill>
+              </a:rPr>
+              <a:t>Reference na komponenty</a:t>
+            </a:r>
+          </a:p>
+          <a:p>
+            <a:r>
+              <a:rPr lang="cs-CZ" dirty="0">
+                <a:solidFill>
+                  <a:schemeClr val="bg1">
+                    <a:lumMod val="65000"/>
+                  </a:schemeClr>
+                </a:solidFill>
+              </a:rPr>
+              <a:t>@key</a:t>
+            </a:r>
+          </a:p>
+          <a:p>
+            <a:endParaRPr lang="cs-CZ" dirty="0"/>
+          </a:p>
+        </p:txBody>
+      </p:sp>
+    </p:spTree>
+    <p:extLst>
+      <p:ext uri="{BB962C8B-B14F-4D97-AF65-F5344CB8AC3E}">
+        <p14:creationId xmlns:p14="http://schemas.microsoft.com/office/powerpoint/2010/main" val="1223539491"/>
+      </p:ext>
+    </p:extLst>
+  </p:cSld>
+  <p:clrMapOvr>
+    <a:masterClrMapping/>
+  </p:clrMapOvr>
+  <mc:AlternateContent xmlns:mc="http://schemas.openxmlformats.org/markup-compatibility/2006" xmlns:p14="http://schemas.microsoft.com/office/powerpoint/2010/main">
+    <mc:Choice Requires="p14">
+      <p:transition spd="med" p14:dur="700">
+        <p:fade/>
+      </p:transition>
+    </mc:Choice>
+    <mc:Fallback xmlns="">
+      <p:transition spd="med">
+        <p:fade/>
+      </p:transition>
+    </mc:Fallback>
+  </mc:AlternateContent>
+</p:sld>
+</file>
+
+<file path=ppt/slides/slide4.xml><?xml version="1.0" encoding="utf-8"?>
+<p:sld xmlns:a="http://schemas.openxmlformats.org/drawingml/2006/main" xmlns:r="http://schemas.openxmlformats.org/officeDocument/2006/relationships" xmlns:p="http://schemas.openxmlformats.org/presentationml/2006/main">
+  <p:cSld>
+    <p:spTree>
+      <p:nvGrpSpPr>
+        <p:cNvPr id="1" name=""/>
+        <p:cNvGrpSpPr/>
+        <p:nvPr/>
+      </p:nvGrpSpPr>
+      <p:grpSpPr>
+        <a:xfrm>
+          <a:off x="0" y="0"/>
+          <a:ext cx="0" cy="0"/>
+          <a:chOff x="0" y="0"/>
+          <a:chExt cx="0" cy="0"/>
+        </a:xfrm>
+      </p:grpSpPr>
+      <p:sp>
+        <p:nvSpPr>
+          <p:cNvPr id="2" name="Title 1">
+            <a:extLst>
+              <a:ext uri="{FF2B5EF4-FFF2-40B4-BE49-F238E27FC236}">
+                <a16:creationId xmlns:a16="http://schemas.microsoft.com/office/drawing/2014/main" id="{CB04C9BE-800B-49A7-A08D-CEB5CED67FDD}"/>
+              </a:ext>
+            </a:extLst>
+          </p:cNvPr>
+          <p:cNvSpPr>
+            <a:spLocks noGrp="1"/>
+          </p:cNvSpPr>
+          <p:nvPr>
+            <p:ph type="title"/>
+          </p:nvPr>
+        </p:nvSpPr>
+        <p:spPr/>
+        <p:txBody>
+          <a:bodyPr/>
+          <a:lstStyle/>
+          <a:p>
+            <a:r>
+              <a:rPr lang="cs-CZ" dirty="0"/>
+              <a:t>Razor - .razor</a:t>
+            </a:r>
+          </a:p>
+        </p:txBody>
+      </p:sp>
+      <p:sp>
+        <p:nvSpPr>
+          <p:cNvPr id="3" name="Content Placeholder 2">
+            <a:extLst>
+              <a:ext uri="{FF2B5EF4-FFF2-40B4-BE49-F238E27FC236}">
+                <a16:creationId xmlns:a16="http://schemas.microsoft.com/office/drawing/2014/main" id="{FB418A4C-9A9B-4499-B759-9AF77915E766}"/>
+              </a:ext>
+            </a:extLst>
+          </p:cNvPr>
+          <p:cNvSpPr>
+            <a:spLocks noGrp="1"/>
+          </p:cNvSpPr>
+          <p:nvPr>
+            <p:ph idx="1"/>
+          </p:nvPr>
+        </p:nvSpPr>
+        <p:spPr/>
+        <p:txBody>
+          <a:bodyPr>
+            <a:normAutofit/>
+          </a:bodyPr>
+          <a:lstStyle/>
+          <a:p>
+            <a:r>
+              <a:rPr lang="cs-CZ" dirty="0"/>
+              <a:t>HTML</a:t>
+            </a:r>
+          </a:p>
+          <a:p>
+            <a:endParaRPr lang="cs-CZ" dirty="0"/>
+          </a:p>
+          <a:p>
+            <a:r>
+              <a:rPr lang="cs-CZ" dirty="0"/>
+              <a:t>@ </a:t>
+            </a:r>
+            <a:r>
+              <a:rPr lang="cs-CZ" dirty="0">
+                <a:solidFill>
+                  <a:schemeClr val="bg1">
+                    <a:lumMod val="65000"/>
+                  </a:schemeClr>
+                </a:solidFill>
+              </a:rPr>
+              <a:t>(ale nikoliv v atributech a emailových adresách)</a:t>
+            </a:r>
+          </a:p>
+          <a:p>
+            <a:r>
+              <a:rPr lang="cs-CZ" dirty="0"/>
+              <a:t>@(...)</a:t>
+            </a:r>
+          </a:p>
+          <a:p>
+            <a:r>
+              <a:rPr lang="cs-CZ" dirty="0"/>
+              <a:t>@{...}</a:t>
+            </a:r>
+          </a:p>
+          <a:p>
+            <a:endParaRPr lang="cs-CZ" dirty="0"/>
+          </a:p>
+          <a:p>
+            <a:r>
+              <a:rPr lang="cs-CZ" dirty="0"/>
+              <a:t>@@</a:t>
+            </a:r>
+          </a:p>
+          <a:p>
+            <a:endParaRPr lang="cs-CZ" dirty="0"/>
+          </a:p>
+          <a:p>
+            <a:endParaRPr lang="cs-CZ" dirty="0"/>
+          </a:p>
+        </p:txBody>
+      </p:sp>
+    </p:spTree>
+    <p:extLst>
+      <p:ext uri="{BB962C8B-B14F-4D97-AF65-F5344CB8AC3E}">
+        <p14:creationId xmlns:p14="http://schemas.microsoft.com/office/powerpoint/2010/main" val="941581713"/>
+      </p:ext>
+    </p:extLst>
+  </p:cSld>
+  <p:clrMapOvr>
+    <a:masterClrMapping/>
+  </p:clrMapOvr>
+  <mc:AlternateContent xmlns:mc="http://schemas.openxmlformats.org/markup-compatibility/2006" xmlns:p14="http://schemas.microsoft.com/office/powerpoint/2010/main">
+    <mc:Choice Requires="p14">
+      <p:transition spd="med" p14:dur="700">
+        <p:fade/>
+      </p:transition>
+    </mc:Choice>
+    <mc:Fallback xmlns="">
+      <p:transition spd="med">
+        <p:fade/>
+      </p:transition>
+    </mc:Fallback>
+  </mc:AlternateContent>
+</p:sld>
+</file>
+
+<file path=ppt/slides/slide5.xml><?xml version="1.0" encoding="utf-8"?>
+<p:sld xmlns:a="http://schemas.openxmlformats.org/drawingml/2006/main" xmlns:r="http://schemas.openxmlformats.org/officeDocument/2006/relationships" xmlns:p="http://schemas.openxmlformats.org/presentationml/2006/main">
+  <p:cSld>
+    <p:spTree>
+      <p:nvGrpSpPr>
+        <p:cNvPr id="1" name=""/>
+        <p:cNvGrpSpPr/>
+        <p:nvPr/>
+      </p:nvGrpSpPr>
+      <p:grpSpPr>
+        <a:xfrm>
+          <a:off x="0" y="0"/>
+          <a:ext cx="0" cy="0"/>
+          <a:chOff x="0" y="0"/>
+          <a:chExt cx="0" cy="0"/>
+        </a:xfrm>
+      </p:grpSpPr>
+      <p:sp>
+        <p:nvSpPr>
+          <p:cNvPr id="2" name="Title 1">
+            <a:extLst>
+              <a:ext uri="{FF2B5EF4-FFF2-40B4-BE49-F238E27FC236}">
+                <a16:creationId xmlns:a16="http://schemas.microsoft.com/office/drawing/2014/main" id="{CB04C9BE-800B-49A7-A08D-CEB5CED67FDD}"/>
+              </a:ext>
+            </a:extLst>
+          </p:cNvPr>
+          <p:cNvSpPr>
+            <a:spLocks noGrp="1"/>
+          </p:cNvSpPr>
+          <p:nvPr>
+            <p:ph type="title"/>
+          </p:nvPr>
+        </p:nvSpPr>
+        <p:spPr/>
+        <p:txBody>
+          <a:bodyPr/>
+          <a:lstStyle/>
+          <a:p>
+            <a:r>
+              <a:rPr lang="cs-CZ" dirty="0"/>
+              <a:t>Razor</a:t>
+            </a:r>
+          </a:p>
+        </p:txBody>
+      </p:sp>
+      <p:sp>
+        <p:nvSpPr>
+          <p:cNvPr id="3" name="Content Placeholder 2">
+            <a:extLst>
+              <a:ext uri="{FF2B5EF4-FFF2-40B4-BE49-F238E27FC236}">
+                <a16:creationId xmlns:a16="http://schemas.microsoft.com/office/drawing/2014/main" id="{FB418A4C-9A9B-4499-B759-9AF77915E766}"/>
+              </a:ext>
+            </a:extLst>
+          </p:cNvPr>
+          <p:cNvSpPr>
+            <a:spLocks noGrp="1"/>
+          </p:cNvSpPr>
+          <p:nvPr>
+            <p:ph idx="1"/>
+          </p:nvPr>
+        </p:nvSpPr>
+        <p:spPr/>
+        <p:txBody>
+          <a:bodyPr>
+            <a:normAutofit/>
+          </a:bodyPr>
+          <a:lstStyle/>
+          <a:p>
+            <a:r>
+              <a:rPr lang="cs-CZ" dirty="0"/>
+              <a:t>Dnes: @DateTime.Today.ToShortDateString() </a:t>
+            </a:r>
+          </a:p>
+          <a:p>
+            <a:r>
+              <a:rPr lang="cs-CZ" dirty="0"/>
+              <a:t>Zítra: @(DateTime.Today</a:t>
+            </a:r>
+            <a:r>
+              <a:rPr lang="cs-CZ" dirty="0">
+                <a:highlight>
+                  <a:srgbClr val="FF0000"/>
+                </a:highlight>
+              </a:rPr>
+              <a:t> </a:t>
+            </a:r>
+            <a:r>
+              <a:rPr lang="cs-CZ" dirty="0"/>
+              <a:t>+</a:t>
+            </a:r>
+            <a:r>
+              <a:rPr lang="cs-CZ" dirty="0">
+                <a:highlight>
+                  <a:srgbClr val="FF0000"/>
+                </a:highlight>
+              </a:rPr>
+              <a:t> </a:t>
+            </a:r>
+            <a:r>
+              <a:rPr lang="cs-CZ" dirty="0"/>
+              <a:t>TimeSpan.FromDays(1).ToShortDateString())</a:t>
+            </a:r>
+          </a:p>
+          <a:p>
+            <a:endParaRPr lang="cs-CZ" dirty="0"/>
+          </a:p>
+          <a:p>
+            <a:r>
+              <a:rPr lang="cs-CZ" dirty="0"/>
+              <a:t>@Username </a:t>
+            </a:r>
+            <a:r>
+              <a:rPr lang="cs-CZ" dirty="0">
+                <a:sym typeface="Wingdings" panose="05000000000000000000" pitchFamily="2" charset="2"/>
+              </a:rPr>
+              <a:t> hodnota vlastnosti username</a:t>
+            </a:r>
+            <a:endParaRPr lang="cs-CZ" dirty="0"/>
+          </a:p>
+          <a:p>
+            <a:r>
+              <a:rPr lang="cs-CZ" dirty="0"/>
+              <a:t>@@Username </a:t>
+            </a:r>
+            <a:r>
+              <a:rPr lang="cs-CZ" dirty="0">
+                <a:sym typeface="Wingdings" panose="05000000000000000000" pitchFamily="2" charset="2"/>
+              </a:rPr>
+              <a:t> @Username</a:t>
+            </a:r>
+          </a:p>
+          <a:p>
+            <a:endParaRPr lang="cs-CZ" dirty="0"/>
+          </a:p>
+          <a:p>
+            <a:r>
+              <a:rPr lang="cs-CZ" dirty="0"/>
+              <a:t>@Html.Raw(“&lt;span&gt;Hello World!&lt;/span&gt;“)</a:t>
+            </a:r>
+          </a:p>
+        </p:txBody>
+      </p:sp>
+    </p:spTree>
+    <p:extLst>
+      <p:ext uri="{BB962C8B-B14F-4D97-AF65-F5344CB8AC3E}">
+        <p14:creationId xmlns:p14="http://schemas.microsoft.com/office/powerpoint/2010/main" val="1493191488"/>
+      </p:ext>
+    </p:extLst>
+  </p:cSld>
+  <p:clrMapOvr>
+    <a:masterClrMapping/>
+  </p:clrMapOvr>
+  <mc:AlternateContent xmlns:mc="http://schemas.openxmlformats.org/markup-compatibility/2006" xmlns:p14="http://schemas.microsoft.com/office/powerpoint/2010/main">
+    <mc:Choice Requires="p14">
+      <p:transition spd="med" p14:dur="700">
+        <p:fade/>
+      </p:transition>
+    </mc:Choice>
+    <mc:Fallback xmlns="">
+      <p:transition spd="med">
+        <p:fade/>
+      </p:transition>
+    </mc:Fallback>
+  </mc:AlternateContent>
+</p:sld>
+</file>
+
+<file path=ppt/slides/slide6.xml><?xml version="1.0" encoding="utf-8"?>
+<p:sld xmlns:a="http://schemas.openxmlformats.org/drawingml/2006/main" xmlns:r="http://schemas.openxmlformats.org/officeDocument/2006/relationships" xmlns:p="http://schemas.openxmlformats.org/presentationml/2006/main">
+  <p:cSld>
+    <p:spTree>
+      <p:nvGrpSpPr>
+        <p:cNvPr id="1" name=""/>
+        <p:cNvGrpSpPr/>
+        <p:nvPr/>
+      </p:nvGrpSpPr>
+      <p:grpSpPr>
+        <a:xfrm>
+          <a:off x="0" y="0"/>
+          <a:ext cx="0" cy="0"/>
+          <a:chOff x="0" y="0"/>
+          <a:chExt cx="0" cy="0"/>
+        </a:xfrm>
+      </p:grpSpPr>
+      <p:sp>
+        <p:nvSpPr>
+          <p:cNvPr id="2" name="Title 1">
+            <a:extLst>
+              <a:ext uri="{FF2B5EF4-FFF2-40B4-BE49-F238E27FC236}">
+                <a16:creationId xmlns:a16="http://schemas.microsoft.com/office/drawing/2014/main" id="{CB04C9BE-800B-49A7-A08D-CEB5CED67FDD}"/>
+              </a:ext>
+            </a:extLst>
+          </p:cNvPr>
+          <p:cNvSpPr>
+            <a:spLocks noGrp="1"/>
+          </p:cNvSpPr>
+          <p:nvPr>
+            <p:ph type="title"/>
+          </p:nvPr>
+        </p:nvSpPr>
+        <p:spPr/>
+        <p:txBody>
+          <a:bodyPr/>
+          <a:lstStyle/>
+          <a:p>
+            <a:r>
+              <a:rPr lang="cs-CZ" dirty="0"/>
+              <a:t>Razor – control structures</a:t>
+            </a:r>
+          </a:p>
+        </p:txBody>
+      </p:sp>
+      <p:sp>
+        <p:nvSpPr>
+          <p:cNvPr id="3" name="Content Placeholder 2">
+            <a:extLst>
+              <a:ext uri="{FF2B5EF4-FFF2-40B4-BE49-F238E27FC236}">
+                <a16:creationId xmlns:a16="http://schemas.microsoft.com/office/drawing/2014/main" id="{FB418A4C-9A9B-4499-B759-9AF77915E766}"/>
+              </a:ext>
+            </a:extLst>
+          </p:cNvPr>
+          <p:cNvSpPr>
+            <a:spLocks noGrp="1"/>
+          </p:cNvSpPr>
+          <p:nvPr>
+            <p:ph idx="1"/>
+          </p:nvPr>
+        </p:nvSpPr>
+        <p:spPr/>
+        <p:txBody>
+          <a:bodyPr>
+            <a:normAutofit/>
+          </a:bodyPr>
+          <a:lstStyle/>
+          <a:p>
+            <a:r>
+              <a:rPr lang="cs-CZ" dirty="0"/>
+              <a:t>@if, else/else if, @switch</a:t>
+            </a:r>
+          </a:p>
+          <a:p>
+            <a:r>
+              <a:rPr lang="cs-CZ" dirty="0"/>
+              <a:t>@for, @foreach, @while, @do</a:t>
+            </a:r>
+          </a:p>
+          <a:p>
+            <a:r>
+              <a:rPr lang="cs-CZ" dirty="0"/>
+              <a:t>@using</a:t>
+            </a:r>
+          </a:p>
+          <a:p>
+            <a:r>
+              <a:rPr lang="cs-CZ" dirty="0"/>
+              <a:t>@try, catch, finally</a:t>
+            </a:r>
+          </a:p>
+          <a:p>
+            <a:r>
+              <a:rPr lang="cs-CZ" dirty="0"/>
+              <a:t>@lock</a:t>
+            </a:r>
+          </a:p>
+          <a:p>
+            <a:endParaRPr lang="cs-CZ" dirty="0"/>
+          </a:p>
+        </p:txBody>
+      </p:sp>
+    </p:spTree>
+    <p:extLst>
+      <p:ext uri="{BB962C8B-B14F-4D97-AF65-F5344CB8AC3E}">
+        <p14:creationId xmlns:p14="http://schemas.microsoft.com/office/powerpoint/2010/main" val="2337226492"/>
+      </p:ext>
+    </p:extLst>
+  </p:cSld>
+  <p:clrMapOvr>
+    <a:masterClrMapping/>
+  </p:clrMapOvr>
+  <mc:AlternateContent xmlns:mc="http://schemas.openxmlformats.org/markup-compatibility/2006" xmlns:p14="http://schemas.microsoft.com/office/powerpoint/2010/main">
+    <mc:Choice Requires="p14">
+      <p:transition spd="med" p14:dur="700">
+        <p:fade/>
+      </p:transition>
+    </mc:Choice>
+    <mc:Fallback xmlns="">
+      <p:transition spd="med">
+        <p:fade/>
+      </p:transition>
+    </mc:Fallback>
+  </mc:AlternateContent>
+</p:sld>
+</file>
+
+<file path=ppt/slides/slide7.xml><?xml version="1.0" encoding="utf-8"?>
+<p:sld xmlns:a="http://schemas.openxmlformats.org/drawingml/2006/main" xmlns:r="http://schemas.openxmlformats.org/officeDocument/2006/relationships" xmlns:p="http://schemas.openxmlformats.org/presentationml/2006/main">
+  <p:cSld>
+    <p:spTree>
+      <p:nvGrpSpPr>
+        <p:cNvPr id="1" name=""/>
+        <p:cNvGrpSpPr/>
+        <p:nvPr/>
+      </p:nvGrpSpPr>
+      <p:grpSpPr>
+        <a:xfrm>
+          <a:off x="0" y="0"/>
+          <a:ext cx="0" cy="0"/>
+          <a:chOff x="0" y="0"/>
+          <a:chExt cx="0" cy="0"/>
+        </a:xfrm>
+      </p:grpSpPr>
+      <p:sp>
+        <p:nvSpPr>
+          <p:cNvPr id="2" name="Title 1">
+            <a:extLst>
+              <a:ext uri="{FF2B5EF4-FFF2-40B4-BE49-F238E27FC236}">
+                <a16:creationId xmlns:a16="http://schemas.microsoft.com/office/drawing/2014/main" id="{CB04C9BE-800B-49A7-A08D-CEB5CED67FDD}"/>
+              </a:ext>
+            </a:extLst>
+          </p:cNvPr>
+          <p:cNvSpPr>
+            <a:spLocks noGrp="1"/>
+          </p:cNvSpPr>
+          <p:nvPr>
+            <p:ph type="title"/>
+          </p:nvPr>
+        </p:nvSpPr>
+        <p:spPr/>
+        <p:txBody>
+          <a:bodyPr/>
+          <a:lstStyle/>
+          <a:p>
+            <a:r>
+              <a:rPr lang="cs-CZ" dirty="0"/>
+              <a:t>Razor – directives</a:t>
+            </a:r>
+          </a:p>
+        </p:txBody>
+      </p:sp>
+      <p:sp>
+        <p:nvSpPr>
+          <p:cNvPr id="3" name="Content Placeholder 2">
+            <a:extLst>
+              <a:ext uri="{FF2B5EF4-FFF2-40B4-BE49-F238E27FC236}">
+                <a16:creationId xmlns:a16="http://schemas.microsoft.com/office/drawing/2014/main" id="{FB418A4C-9A9B-4499-B759-9AF77915E766}"/>
+              </a:ext>
+            </a:extLst>
+          </p:cNvPr>
+          <p:cNvSpPr>
+            <a:spLocks noGrp="1"/>
+          </p:cNvSpPr>
+          <p:nvPr>
+            <p:ph idx="1"/>
+          </p:nvPr>
+        </p:nvSpPr>
+        <p:spPr/>
+        <p:txBody>
+          <a:bodyPr numCol="2">
+            <a:normAutofit/>
+          </a:bodyPr>
+          <a:lstStyle/>
+          <a:p>
+            <a:r>
+              <a:rPr lang="cs-CZ" dirty="0"/>
+              <a:t>@attributes</a:t>
+            </a:r>
+          </a:p>
+          <a:p>
+            <a:r>
+              <a:rPr lang="cs-CZ" dirty="0"/>
+              <a:t>@code</a:t>
+            </a:r>
+          </a:p>
+          <a:p>
+            <a:r>
+              <a:rPr lang="cs-CZ" dirty="0"/>
+              <a:t>@implements</a:t>
+            </a:r>
+          </a:p>
+          <a:p>
+            <a:r>
+              <a:rPr lang="cs-CZ" dirty="0"/>
+              <a:t>@inherits</a:t>
+            </a:r>
+          </a:p>
+          <a:p>
+            <a:r>
+              <a:rPr lang="cs-CZ" dirty="0"/>
+              <a:t>@inject</a:t>
+            </a:r>
+          </a:p>
+          <a:p>
+            <a:r>
+              <a:rPr lang="cs-CZ" dirty="0"/>
+              <a:t>@layout</a:t>
+            </a:r>
+          </a:p>
+          <a:p>
+            <a:r>
+              <a:rPr lang="cs-CZ" dirty="0"/>
+              <a:t>@model</a:t>
+            </a:r>
+          </a:p>
+          <a:p>
+            <a:r>
+              <a:rPr lang="cs-CZ" dirty="0"/>
+              <a:t>@namespace</a:t>
+            </a:r>
+          </a:p>
+          <a:p>
+            <a:r>
+              <a:rPr lang="cs-CZ" dirty="0"/>
+              <a:t>@page</a:t>
+            </a:r>
+          </a:p>
+          <a:p>
+            <a:r>
+              <a:rPr lang="cs-CZ" dirty="0"/>
+              <a:t>@using</a:t>
+            </a:r>
+          </a:p>
+          <a:p>
+            <a:endParaRPr lang="cs-CZ" dirty="0"/>
+          </a:p>
+          <a:p>
+            <a:endParaRPr lang="cs-CZ" dirty="0"/>
+          </a:p>
+        </p:txBody>
+      </p:sp>
+    </p:spTree>
+    <p:extLst>
+      <p:ext uri="{BB962C8B-B14F-4D97-AF65-F5344CB8AC3E}">
+        <p14:creationId xmlns:p14="http://schemas.microsoft.com/office/powerpoint/2010/main" val="329058390"/>
+      </p:ext>
+    </p:extLst>
+  </p:cSld>
+  <p:clrMapOvr>
+    <a:masterClrMapping/>
+  </p:clrMapOvr>
+  <mc:AlternateContent xmlns:mc="http://schemas.openxmlformats.org/markup-compatibility/2006" xmlns:p14="http://schemas.microsoft.com/office/powerpoint/2010/main">
+    <mc:Choice Requires="p14">
+      <p:transition spd="med" p14:dur="700">
+        <p:fade/>
+      </p:transition>
+    </mc:Choice>
+    <mc:Fallback xmlns="">
+      <p:transition spd="med">
+        <p:fade/>
+      </p:transition>
+    </mc:Fallback>
+  </mc:AlternateContent>
+</p:sld>
+</file>
+
+<file path=ppt/slides/slide8.xml><?xml version="1.0" encoding="utf-8"?>
+<p:sld xmlns:a="http://schemas.openxmlformats.org/drawingml/2006/main" xmlns:r="http://schemas.openxmlformats.org/officeDocument/2006/relationships" xmlns:p="http://schemas.openxmlformats.org/presentationml/2006/main">
+  <p:cSld>
+    <p:spTree>
+      <p:nvGrpSpPr>
+        <p:cNvPr id="1" name=""/>
+        <p:cNvGrpSpPr/>
+        <p:nvPr/>
+      </p:nvGrpSpPr>
+      <p:grpSpPr>
+        <a:xfrm>
+          <a:off x="0" y="0"/>
+          <a:ext cx="0" cy="0"/>
+          <a:chOff x="0" y="0"/>
+          <a:chExt cx="0" cy="0"/>
+        </a:xfrm>
+      </p:grpSpPr>
+      <p:sp>
+        <p:nvSpPr>
+          <p:cNvPr id="2" name="Title 1">
+            <a:extLst>
+              <a:ext uri="{FF2B5EF4-FFF2-40B4-BE49-F238E27FC236}">
+                <a16:creationId xmlns:a16="http://schemas.microsoft.com/office/drawing/2014/main" id="{CB04C9BE-800B-49A7-A08D-CEB5CED67FDD}"/>
+              </a:ext>
+            </a:extLst>
+          </p:cNvPr>
+          <p:cNvSpPr>
+            <a:spLocks noGrp="1"/>
+          </p:cNvSpPr>
+          <p:nvPr>
+            <p:ph type="title"/>
+          </p:nvPr>
+        </p:nvSpPr>
+        <p:spPr/>
+        <p:txBody>
+          <a:bodyPr/>
+          <a:lstStyle/>
+          <a:p>
+            <a:r>
+              <a:rPr lang="cs-CZ" dirty="0"/>
+              <a:t>Razor – directive attributes</a:t>
+            </a:r>
+          </a:p>
+        </p:txBody>
+      </p:sp>
+      <p:sp>
+        <p:nvSpPr>
+          <p:cNvPr id="3" name="Content Placeholder 2">
+            <a:extLst>
+              <a:ext uri="{FF2B5EF4-FFF2-40B4-BE49-F238E27FC236}">
+                <a16:creationId xmlns:a16="http://schemas.microsoft.com/office/drawing/2014/main" id="{FB418A4C-9A9B-4499-B759-9AF77915E766}"/>
+              </a:ext>
+            </a:extLst>
+          </p:cNvPr>
+          <p:cNvSpPr>
+            <a:spLocks noGrp="1"/>
+          </p:cNvSpPr>
+          <p:nvPr>
+            <p:ph idx="1"/>
+          </p:nvPr>
+        </p:nvSpPr>
+        <p:spPr/>
+        <p:txBody>
+          <a:bodyPr numCol="2">
+            <a:normAutofit/>
+          </a:bodyPr>
+          <a:lstStyle/>
+          <a:p>
+            <a:r>
+              <a:rPr lang="cs-CZ" dirty="0"/>
+              <a:t>@attributes</a:t>
+            </a:r>
+          </a:p>
+          <a:p>
+            <a:r>
+              <a:rPr lang="cs-CZ" dirty="0"/>
+              <a:t>@bind</a:t>
+            </a:r>
+          </a:p>
+          <a:p>
+            <a:r>
+              <a:rPr lang="cs-CZ" dirty="0"/>
+              <a:t>@on{EVENT}</a:t>
+            </a:r>
+          </a:p>
+          <a:p>
+            <a:r>
+              <a:rPr lang="cs-CZ" dirty="0"/>
+              <a:t>@key</a:t>
+            </a:r>
+          </a:p>
+          <a:p>
+            <a:r>
+              <a:rPr lang="cs-CZ" dirty="0"/>
+              <a:t>@ref</a:t>
+            </a:r>
+          </a:p>
+          <a:p>
+            <a:r>
+              <a:rPr lang="cs-CZ" dirty="0"/>
+              <a:t>@typeparam</a:t>
+            </a:r>
+          </a:p>
+        </p:txBody>
+      </p:sp>
+    </p:spTree>
+    <p:extLst>
+      <p:ext uri="{BB962C8B-B14F-4D97-AF65-F5344CB8AC3E}">
+        <p14:creationId xmlns:p14="http://schemas.microsoft.com/office/powerpoint/2010/main" val="1838095764"/>
+      </p:ext>
+    </p:extLst>
+  </p:cSld>
+  <p:clrMapOvr>
+    <a:masterClrMapping/>
+  </p:clrMapOvr>
+  <mc:AlternateContent xmlns:mc="http://schemas.openxmlformats.org/markup-compatibility/2006" xmlns:p14="http://schemas.microsoft.com/office/powerpoint/2010/main">
+    <mc:Choice Requires="p14">
+      <p:transition spd="med" p14:dur="700">
+        <p:fade/>
+      </p:transition>
+    </mc:Choice>
+    <mc:Fallback xmlns="">
+      <p:transition spd="med">
+        <p:fade/>
+      </p:transition>
+    </mc:Fallback>
+  </mc:AlternateContent>
+</p:sld>
+</file>
+
+<file path=ppt/slides/slide9.xml><?xml version="1.0" encoding="utf-8"?>
+<p:sld xmlns:a="http://schemas.openxmlformats.org/drawingml/2006/main" xmlns:r="http://schemas.openxmlformats.org/officeDocument/2006/relationships" xmlns:p="http://schemas.openxmlformats.org/presentationml/2006/main">
+  <p:cSld>
+    <p:spTree>
+      <p:nvGrpSpPr>
+        <p:cNvPr id="1" name=""/>
+        <p:cNvGrpSpPr/>
+        <p:nvPr/>
+      </p:nvGrpSpPr>
+      <p:grpSpPr>
+        <a:xfrm>
+          <a:off x="0" y="0"/>
+          <a:ext cx="0" cy="0"/>
+          <a:chOff x="0" y="0"/>
+          <a:chExt cx="0" cy="0"/>
+        </a:xfrm>
+      </p:grpSpPr>
+      <p:sp>
+        <p:nvSpPr>
+          <p:cNvPr id="2" name="Title 1">
+            <a:extLst>
+              <a:ext uri="{FF2B5EF4-FFF2-40B4-BE49-F238E27FC236}">
+                <a16:creationId xmlns:a16="http://schemas.microsoft.com/office/drawing/2014/main" id="{CB04C9BE-800B-49A7-A08D-CEB5CED67FDD}"/>
+              </a:ext>
+            </a:extLst>
+          </p:cNvPr>
+          <p:cNvSpPr>
+            <a:spLocks noGrp="1"/>
+          </p:cNvSpPr>
+          <p:nvPr>
+            <p:ph type="title"/>
+          </p:nvPr>
+        </p:nvSpPr>
+        <p:spPr/>
+        <p:txBody>
+          <a:bodyPr/>
+          <a:lstStyle/>
+          <a:p>
+            <a:r>
+              <a:rPr lang="cs-CZ" dirty="0"/>
+              <a:t>Razor – ukázka</a:t>
+            </a:r>
+          </a:p>
+        </p:txBody>
+      </p:sp>
+      <p:sp>
+        <p:nvSpPr>
+          <p:cNvPr id="3" name="Content Placeholder 2">
+            <a:extLst>
+              <a:ext uri="{FF2B5EF4-FFF2-40B4-BE49-F238E27FC236}">
+                <a16:creationId xmlns:a16="http://schemas.microsoft.com/office/drawing/2014/main" id="{FB418A4C-9A9B-4499-B759-9AF77915E766}"/>
+              </a:ext>
+            </a:extLst>
+          </p:cNvPr>
+          <p:cNvSpPr>
+            <a:spLocks noGrp="1"/>
+          </p:cNvSpPr>
+          <p:nvPr>
+            <p:ph idx="1"/>
+          </p:nvPr>
+        </p:nvSpPr>
+        <p:spPr/>
+        <p:txBody>
+          <a:bodyPr numCol="2">
+            <a:normAutofit/>
+          </a:bodyPr>
+          <a:lstStyle/>
+          <a:p>
+            <a:pPr marL="0" indent="0">
+              <a:buNone/>
+            </a:pPr>
+            <a:r>
+              <a:rPr lang="cs-CZ" dirty="0"/>
+              <a:t>&lt;ul&gt;</a:t>
+            </a:r>
+          </a:p>
+          <a:p>
+            <a:pPr marL="0" indent="0">
+              <a:buNone/>
+            </a:pPr>
+            <a:r>
+              <a:rPr lang="cs-CZ" dirty="0"/>
+              <a:t>    @foreach (var person in people)</a:t>
+            </a:r>
+          </a:p>
+          <a:p>
+            <a:pPr marL="0" indent="0">
+              <a:buNone/>
+            </a:pPr>
+            <a:r>
+              <a:rPr lang="cs-CZ" dirty="0"/>
+              <a:t>    {</a:t>
+            </a:r>
+          </a:p>
+          <a:p>
+            <a:pPr marL="0" indent="0">
+              <a:buNone/>
+            </a:pPr>
+            <a:r>
+              <a:rPr lang="cs-CZ" dirty="0"/>
+              <a:t>          &lt;li&gt;Name: @person.Name&lt;/li&gt;</a:t>
+            </a:r>
+          </a:p>
+          <a:p>
+            <a:pPr marL="0" indent="0">
+              <a:buNone/>
+            </a:pPr>
+            <a:r>
+              <a:rPr lang="cs-CZ" dirty="0"/>
+              <a:t>    }</a:t>
+            </a:r>
+          </a:p>
+          <a:p>
+            <a:pPr marL="0" indent="0">
+              <a:buNone/>
+            </a:pPr>
+            <a:r>
+              <a:rPr lang="cs-CZ" dirty="0"/>
+              <a:t>&lt;/ul&gt;</a:t>
+            </a:r>
+          </a:p>
+        </p:txBody>
+      </p:sp>
+    </p:spTree>
+    <p:extLst>
+      <p:ext uri="{BB962C8B-B14F-4D97-AF65-F5344CB8AC3E}">
+        <p14:creationId xmlns:p14="http://schemas.microsoft.com/office/powerpoint/2010/main" val="2470094221"/>
+      </p:ext>
+    </p:extLst>
+  </p:cSld>
+  <p:clrMapOvr>
+    <a:masterClrMapping/>
+  </p:clrMapOvr>
+  <mc:AlternateContent xmlns:mc="http://schemas.openxmlformats.org/markup-compatibility/2006" xmlns:p14="http://schemas.microsoft.com/office/powerpoint/2010/main">
+    <mc:Choice Requires="p14">
+      <p:transition spd="med" p14:dur="700">
+        <p:fade/>
+      </p:transition>
+    </mc:Choice>
+    <mc:Fallback xmlns="">
+      <p:transition spd="med">
+        <p:fade/>
+      </p:transition>
     </mc:Fallback>
   </mc:AlternateContent>
 </p:sld>
@@ -4796,9 +5836,12 @@
 </file>
 
 <file path=customXml/item1.xml><?xml version="1.0" encoding="utf-8"?>
-<p:properties xmlns:p="http://schemas.microsoft.com/office/2006/metadata/properties" xmlns:xsi="http://www.w3.org/2001/XMLSchema-instance" xmlns:pc="http://schemas.microsoft.com/office/infopath/2007/PartnerControls">
-  <documentManagement/>
-</p:properties>
+<?mso-contentType ?>
+<FormTemplates xmlns="http://schemas.microsoft.com/sharepoint/v3/contenttype/forms">
+  <Display>DocumentLibraryForm</Display>
+  <Edit>DocumentLibraryForm</Edit>
+  <New>DocumentLibraryForm</New>
+</FormTemplates>
 </file>
 
 <file path=customXml/item2.xml><?xml version="1.0" encoding="utf-8"?>
@@ -4916,19 +5959,15 @@
 </file>
 
 <file path=customXml/item3.xml><?xml version="1.0" encoding="utf-8"?>
-<?mso-contentType ?>
-<FormTemplates xmlns="http://schemas.microsoft.com/sharepoint/v3/contenttype/forms">
-  <Display>DocumentLibraryForm</Display>
-  <Edit>DocumentLibraryForm</Edit>
-  <New>DocumentLibraryForm</New>
-</FormTemplates>
+<p:properties xmlns:p="http://schemas.microsoft.com/office/2006/metadata/properties" xmlns:xsi="http://www.w3.org/2001/XMLSchema-instance" xmlns:pc="http://schemas.microsoft.com/office/infopath/2007/PartnerControls">
+  <documentManagement/>
+</p:properties>
 </file>
 
 <file path=customXml/itemProps1.xml><?xml version="1.0" encoding="utf-8"?>
-<ds:datastoreItem xmlns:ds="http://schemas.openxmlformats.org/officeDocument/2006/customXml" ds:itemID="{317FD51D-081C-435E-8F5D-6D88218064D9}">
+<ds:datastoreItem xmlns:ds="http://schemas.openxmlformats.org/officeDocument/2006/customXml" ds:itemID="{B22238E5-BDC0-4655-AFB5-A7405C559E7D}">
   <ds:schemaRefs>
-    <ds:schemaRef ds:uri="http://schemas.microsoft.com/office/2006/metadata/properties"/>
-    <ds:schemaRef ds:uri="http://schemas.microsoft.com/office/infopath/2007/PartnerControls"/>
+    <ds:schemaRef ds:uri="http://schemas.microsoft.com/sharepoint/v3/contenttype/forms"/>
   </ds:schemaRefs>
 </ds:datastoreItem>
 </file>
@@ -4950,9 +5989,10 @@
 </file>
 
 <file path=customXml/itemProps3.xml><?xml version="1.0" encoding="utf-8"?>
-<ds:datastoreItem xmlns:ds="http://schemas.openxmlformats.org/officeDocument/2006/customXml" ds:itemID="{B22238E5-BDC0-4655-AFB5-A7405C559E7D}">
+<ds:datastoreItem xmlns:ds="http://schemas.openxmlformats.org/officeDocument/2006/customXml" ds:itemID="{317FD51D-081C-435E-8F5D-6D88218064D9}">
   <ds:schemaRefs>
-    <ds:schemaRef ds:uri="http://schemas.microsoft.com/sharepoint/v3/contenttype/forms"/>
+    <ds:schemaRef ds:uri="http://schemas.microsoft.com/office/2006/metadata/properties"/>
+    <ds:schemaRef ds:uri="http://schemas.microsoft.com/office/infopath/2007/PartnerControls"/>
   </ds:schemaRefs>
 </ds:datastoreItem>
 </file>
--- a/Presentation/02 - Blazor - Komponenty.pptx
+++ b/Presentation/02 - Blazor - Komponenty.pptx
@@ -248,7 +248,7 @@
             <a:fld id="{A74C3DD1-6B4C-423E-A696-BD4124EC33BC}" type="datetimeFigureOut">
               <a:rPr lang="cs-CZ" smtClean="0"/>
               <a:pPr/>
-              <a:t>10.03.2020</a:t>
+              <a:t>13.10.2021</a:t>
             </a:fld>
             <a:endParaRPr lang="cs-CZ" dirty="0"/>
           </a:p>
@@ -715,7 +715,7 @@
           <a:p>
             <a:fld id="{0DA6F2F8-F70A-47D7-AD2D-4F12E71A0C18}" type="datetimeFigureOut">
               <a:rPr lang="cs-CZ" smtClean="0"/>
-              <a:t>10.03.2020</a:t>
+              <a:t>13.10.2021</a:t>
             </a:fld>
             <a:endParaRPr lang="cs-CZ"/>
           </a:p>
@@ -897,7 +897,7 @@
           <a:p>
             <a:fld id="{0DA6F2F8-F70A-47D7-AD2D-4F12E71A0C18}" type="datetimeFigureOut">
               <a:rPr lang="cs-CZ" smtClean="0"/>
-              <a:t>10.03.2020</a:t>
+              <a:t>13.10.2021</a:t>
             </a:fld>
             <a:endParaRPr lang="cs-CZ"/>
           </a:p>
@@ -1089,7 +1089,7 @@
           <a:p>
             <a:fld id="{0DA6F2F8-F70A-47D7-AD2D-4F12E71A0C18}" type="datetimeFigureOut">
               <a:rPr lang="cs-CZ" smtClean="0"/>
-              <a:t>10.03.2020</a:t>
+              <a:t>13.10.2021</a:t>
             </a:fld>
             <a:endParaRPr lang="cs-CZ"/>
           </a:p>
@@ -1304,7 +1304,7 @@
           <a:p>
             <a:fld id="{0DA6F2F8-F70A-47D7-AD2D-4F12E71A0C18}" type="datetimeFigureOut">
               <a:rPr lang="cs-CZ" smtClean="0"/>
-              <a:t>10.03.2020</a:t>
+              <a:t>13.10.2021</a:t>
             </a:fld>
             <a:endParaRPr lang="cs-CZ"/>
           </a:p>
@@ -1579,7 +1579,7 @@
           <a:p>
             <a:fld id="{0DA6F2F8-F70A-47D7-AD2D-4F12E71A0C18}" type="datetimeFigureOut">
               <a:rPr lang="cs-CZ" smtClean="0"/>
-              <a:t>10.03.2020</a:t>
+              <a:t>13.10.2021</a:t>
             </a:fld>
             <a:endParaRPr lang="cs-CZ"/>
           </a:p>
@@ -1896,7 +1896,7 @@
           <a:p>
             <a:fld id="{0DA6F2F8-F70A-47D7-AD2D-4F12E71A0C18}" type="datetimeFigureOut">
               <a:rPr lang="cs-CZ" smtClean="0"/>
-              <a:t>10.03.2020</a:t>
+              <a:t>13.10.2021</a:t>
             </a:fld>
             <a:endParaRPr lang="cs-CZ" dirty="0"/>
           </a:p>
@@ -2347,7 +2347,7 @@
           <a:p>
             <a:fld id="{0DA6F2F8-F70A-47D7-AD2D-4F12E71A0C18}" type="datetimeFigureOut">
               <a:rPr lang="cs-CZ" smtClean="0"/>
-              <a:t>10.03.2020</a:t>
+              <a:t>13.10.2021</a:t>
             </a:fld>
             <a:endParaRPr lang="cs-CZ"/>
           </a:p>
@@ -2494,7 +2494,7 @@
           <a:p>
             <a:fld id="{0DA6F2F8-F70A-47D7-AD2D-4F12E71A0C18}" type="datetimeFigureOut">
               <a:rPr lang="cs-CZ" smtClean="0"/>
-              <a:t>10.03.2020</a:t>
+              <a:t>13.10.2021</a:t>
             </a:fld>
             <a:endParaRPr lang="cs-CZ"/>
           </a:p>
@@ -2601,7 +2601,7 @@
           <a:p>
             <a:fld id="{0DA6F2F8-F70A-47D7-AD2D-4F12E71A0C18}" type="datetimeFigureOut">
               <a:rPr lang="cs-CZ" smtClean="0"/>
-              <a:t>10.03.2020</a:t>
+              <a:t>13.10.2021</a:t>
             </a:fld>
             <a:endParaRPr lang="cs-CZ"/>
           </a:p>
@@ -2892,7 +2892,7 @@
           <a:p>
             <a:fld id="{0DA6F2F8-F70A-47D7-AD2D-4F12E71A0C18}" type="datetimeFigureOut">
               <a:rPr lang="cs-CZ" smtClean="0"/>
-              <a:t>10.03.2020</a:t>
+              <a:t>13.10.2021</a:t>
             </a:fld>
             <a:endParaRPr lang="cs-CZ"/>
           </a:p>
@@ -3161,7 +3161,7 @@
           <a:p>
             <a:fld id="{0DA6F2F8-F70A-47D7-AD2D-4F12E71A0C18}" type="datetimeFigureOut">
               <a:rPr lang="cs-CZ" smtClean="0"/>
-              <a:t>10.03.2020</a:t>
+              <a:t>13.10.2021</a:t>
             </a:fld>
             <a:endParaRPr lang="cs-CZ"/>
           </a:p>
@@ -3425,7 +3425,7 @@
           <a:p>
             <a:fld id="{0DA6F2F8-F70A-47D7-AD2D-4F12E71A0C18}" type="datetimeFigureOut">
               <a:rPr lang="cs-CZ" smtClean="0"/>
-              <a:t>10.03.2020</a:t>
+              <a:t>13.10.2021</a:t>
             </a:fld>
             <a:endParaRPr lang="cs-CZ"/>
           </a:p>
@@ -4298,61 +4298,6 @@
             </a:r>
           </a:p>
           <a:p>
-            <a:r>
-              <a:rPr lang="cs-CZ" dirty="0">
-                <a:solidFill>
-                  <a:schemeClr val="bg1">
-                    <a:lumMod val="65000"/>
-                  </a:schemeClr>
-                </a:solidFill>
-              </a:rPr>
-              <a:t>Child Content</a:t>
-            </a:r>
-          </a:p>
-          <a:p>
-            <a:r>
-              <a:rPr lang="en-US" dirty="0">
-                <a:solidFill>
-                  <a:schemeClr val="bg1">
-                    <a:lumMod val="65000"/>
-                  </a:schemeClr>
-                </a:solidFill>
-              </a:rPr>
-              <a:t>Attribute splatting and arbitrary parameters</a:t>
-            </a:r>
-            <a:endParaRPr lang="cs-CZ" dirty="0">
-              <a:solidFill>
-                <a:schemeClr val="bg1">
-                  <a:lumMod val="65000"/>
-                </a:schemeClr>
-              </a:solidFill>
-            </a:endParaRPr>
-          </a:p>
-          <a:p>
-            <a:r>
-              <a:rPr lang="cs-CZ" dirty="0">
-                <a:solidFill>
-                  <a:schemeClr val="bg1">
-                    <a:lumMod val="65000"/>
-                  </a:schemeClr>
-                </a:solidFill>
-              </a:rPr>
-              <a:t>Reference na komponenty</a:t>
-            </a:r>
-          </a:p>
-          <a:p>
-            <a:r>
-              <a:rPr lang="cs-CZ" dirty="0">
-                <a:solidFill>
-                  <a:schemeClr val="bg1">
-                    <a:lumMod val="65000"/>
-                  </a:schemeClr>
-                </a:solidFill>
-              </a:rPr>
-              <a:t>@key</a:t>
-            </a:r>
-          </a:p>
-          <a:p>
             <a:endParaRPr lang="cs-CZ" dirty="0"/>
           </a:p>
         </p:txBody>
@@ -4446,13 +4391,19 @@
         <p:spPr/>
         <p:txBody>
           <a:bodyPr>
-            <a:normAutofit/>
+            <a:normAutofit fontScale="92500" lnSpcReduction="10000"/>
           </a:bodyPr>
           <a:lstStyle/>
           <a:p>
             <a:r>
               <a:rPr lang="cs-CZ" dirty="0"/>
-              <a:t>HTML</a:t>
+              <a:t>HTML, resp. html</a:t>
+            </a:r>
+          </a:p>
+          <a:p>
+            <a:r>
+              <a:rPr lang="cs-CZ" dirty="0"/>
+              <a:t>C#</a:t>
             </a:r>
           </a:p>
           <a:p>
@@ -4497,6 +4448,12 @@
           </a:p>
           <a:p>
             <a:endParaRPr lang="cs-CZ" dirty="0"/>
+          </a:p>
+          <a:p>
+            <a:r>
+              <a:rPr lang="cs-CZ" dirty="0"/>
+              <a:t>&lt;text&gt;&lt;/text&gt;</a:t>
+            </a:r>
           </a:p>
           <a:p>
             <a:endParaRPr lang="cs-CZ" dirty="0"/>
@@ -4665,7 +4622,23 @@
           <a:p>
             <a:r>
               <a:rPr lang="cs-CZ" dirty="0"/>
-              <a:t>@Html.Raw(“&lt;span&gt;Hello World!&lt;/span&gt;“)</a:t>
+              <a:t>@((MarkupString)"&lt;span&gt;Hello </a:t>
+            </a:r>
+            <a:r>
+              <a:rPr lang="cs-CZ" dirty="0" err="1"/>
+              <a:t>World</a:t>
+            </a:r>
+            <a:r>
+              <a:rPr lang="cs-CZ" dirty="0"/>
+              <a:t>!&lt;/</a:t>
+            </a:r>
+            <a:r>
+              <a:rPr lang="cs-CZ" dirty="0" err="1"/>
+              <a:t>span</a:t>
+            </a:r>
+            <a:r>
+              <a:rPr lang="cs-CZ" dirty="0"/>
+              <a:t>&gt;")</a:t>
             </a:r>
           </a:p>
         </p:txBody>
@@ -5836,12 +5809,9 @@
 </file>
 
 <file path=customXml/item1.xml><?xml version="1.0" encoding="utf-8"?>
-<?mso-contentType ?>
-<FormTemplates xmlns="http://schemas.microsoft.com/sharepoint/v3/contenttype/forms">
-  <Display>DocumentLibraryForm</Display>
-  <Edit>DocumentLibraryForm</Edit>
-  <New>DocumentLibraryForm</New>
-</FormTemplates>
+<p:properties xmlns:p="http://schemas.microsoft.com/office/2006/metadata/properties" xmlns:xsi="http://www.w3.org/2001/XMLSchema-instance" xmlns:pc="http://schemas.microsoft.com/office/infopath/2007/PartnerControls">
+  <documentManagement/>
+</p:properties>
 </file>
 
 <file path=customXml/item2.xml><?xml version="1.0" encoding="utf-8"?>
@@ -5959,15 +5929,19 @@
 </file>
 
 <file path=customXml/item3.xml><?xml version="1.0" encoding="utf-8"?>
-<p:properties xmlns:p="http://schemas.microsoft.com/office/2006/metadata/properties" xmlns:xsi="http://www.w3.org/2001/XMLSchema-instance" xmlns:pc="http://schemas.microsoft.com/office/infopath/2007/PartnerControls">
-  <documentManagement/>
-</p:properties>
+<?mso-contentType ?>
+<FormTemplates xmlns="http://schemas.microsoft.com/sharepoint/v3/contenttype/forms">
+  <Display>DocumentLibraryForm</Display>
+  <Edit>DocumentLibraryForm</Edit>
+  <New>DocumentLibraryForm</New>
+</FormTemplates>
 </file>
 
 <file path=customXml/itemProps1.xml><?xml version="1.0" encoding="utf-8"?>
-<ds:datastoreItem xmlns:ds="http://schemas.openxmlformats.org/officeDocument/2006/customXml" ds:itemID="{B22238E5-BDC0-4655-AFB5-A7405C559E7D}">
+<ds:datastoreItem xmlns:ds="http://schemas.openxmlformats.org/officeDocument/2006/customXml" ds:itemID="{317FD51D-081C-435E-8F5D-6D88218064D9}">
   <ds:schemaRefs>
-    <ds:schemaRef ds:uri="http://schemas.microsoft.com/sharepoint/v3/contenttype/forms"/>
+    <ds:schemaRef ds:uri="http://schemas.microsoft.com/office/2006/metadata/properties"/>
+    <ds:schemaRef ds:uri="http://schemas.microsoft.com/office/infopath/2007/PartnerControls"/>
   </ds:schemaRefs>
 </ds:datastoreItem>
 </file>
@@ -5989,10 +5963,9 @@
 </file>
 
 <file path=customXml/itemProps3.xml><?xml version="1.0" encoding="utf-8"?>
-<ds:datastoreItem xmlns:ds="http://schemas.openxmlformats.org/officeDocument/2006/customXml" ds:itemID="{317FD51D-081C-435E-8F5D-6D88218064D9}">
+<ds:datastoreItem xmlns:ds="http://schemas.openxmlformats.org/officeDocument/2006/customXml" ds:itemID="{B22238E5-BDC0-4655-AFB5-A7405C559E7D}">
   <ds:schemaRefs>
-    <ds:schemaRef ds:uri="http://schemas.microsoft.com/office/2006/metadata/properties"/>
-    <ds:schemaRef ds:uri="http://schemas.microsoft.com/office/infopath/2007/PartnerControls"/>
+    <ds:schemaRef ds:uri="http://schemas.microsoft.com/sharepoint/v3/contenttype/forms"/>
   </ds:schemaRefs>
 </ds:datastoreItem>
 </file>
--- a/Presentation/02 - Blazor - Komponenty.pptx
+++ b/Presentation/02 - Blazor - Komponenty.pptx
@@ -248,7 +248,7 @@
             <a:fld id="{A74C3DD1-6B4C-423E-A696-BD4124EC33BC}" type="datetimeFigureOut">
               <a:rPr lang="cs-CZ" smtClean="0"/>
               <a:pPr/>
-              <a:t>13.10.2021</a:t>
+              <a:t>18.10.2021</a:t>
             </a:fld>
             <a:endParaRPr lang="cs-CZ" dirty="0"/>
           </a:p>
@@ -715,7 +715,7 @@
           <a:p>
             <a:fld id="{0DA6F2F8-F70A-47D7-AD2D-4F12E71A0C18}" type="datetimeFigureOut">
               <a:rPr lang="cs-CZ" smtClean="0"/>
-              <a:t>13.10.2021</a:t>
+              <a:t>18.10.2021</a:t>
             </a:fld>
             <a:endParaRPr lang="cs-CZ"/>
           </a:p>
@@ -897,7 +897,7 @@
           <a:p>
             <a:fld id="{0DA6F2F8-F70A-47D7-AD2D-4F12E71A0C18}" type="datetimeFigureOut">
               <a:rPr lang="cs-CZ" smtClean="0"/>
-              <a:t>13.10.2021</a:t>
+              <a:t>18.10.2021</a:t>
             </a:fld>
             <a:endParaRPr lang="cs-CZ"/>
           </a:p>
@@ -1089,7 +1089,7 @@
           <a:p>
             <a:fld id="{0DA6F2F8-F70A-47D7-AD2D-4F12E71A0C18}" type="datetimeFigureOut">
               <a:rPr lang="cs-CZ" smtClean="0"/>
-              <a:t>13.10.2021</a:t>
+              <a:t>18.10.2021</a:t>
             </a:fld>
             <a:endParaRPr lang="cs-CZ"/>
           </a:p>
@@ -1304,7 +1304,7 @@
           <a:p>
             <a:fld id="{0DA6F2F8-F70A-47D7-AD2D-4F12E71A0C18}" type="datetimeFigureOut">
               <a:rPr lang="cs-CZ" smtClean="0"/>
-              <a:t>13.10.2021</a:t>
+              <a:t>18.10.2021</a:t>
             </a:fld>
             <a:endParaRPr lang="cs-CZ"/>
           </a:p>
@@ -1579,7 +1579,7 @@
           <a:p>
             <a:fld id="{0DA6F2F8-F70A-47D7-AD2D-4F12E71A0C18}" type="datetimeFigureOut">
               <a:rPr lang="cs-CZ" smtClean="0"/>
-              <a:t>13.10.2021</a:t>
+              <a:t>18.10.2021</a:t>
             </a:fld>
             <a:endParaRPr lang="cs-CZ"/>
           </a:p>
@@ -1896,7 +1896,7 @@
           <a:p>
             <a:fld id="{0DA6F2F8-F70A-47D7-AD2D-4F12E71A0C18}" type="datetimeFigureOut">
               <a:rPr lang="cs-CZ" smtClean="0"/>
-              <a:t>13.10.2021</a:t>
+              <a:t>18.10.2021</a:t>
             </a:fld>
             <a:endParaRPr lang="cs-CZ" dirty="0"/>
           </a:p>
@@ -2347,7 +2347,7 @@
           <a:p>
             <a:fld id="{0DA6F2F8-F70A-47D7-AD2D-4F12E71A0C18}" type="datetimeFigureOut">
               <a:rPr lang="cs-CZ" smtClean="0"/>
-              <a:t>13.10.2021</a:t>
+              <a:t>18.10.2021</a:t>
             </a:fld>
             <a:endParaRPr lang="cs-CZ"/>
           </a:p>
@@ -2494,7 +2494,7 @@
           <a:p>
             <a:fld id="{0DA6F2F8-F70A-47D7-AD2D-4F12E71A0C18}" type="datetimeFigureOut">
               <a:rPr lang="cs-CZ" smtClean="0"/>
-              <a:t>13.10.2021</a:t>
+              <a:t>18.10.2021</a:t>
             </a:fld>
             <a:endParaRPr lang="cs-CZ"/>
           </a:p>
@@ -2601,7 +2601,7 @@
           <a:p>
             <a:fld id="{0DA6F2F8-F70A-47D7-AD2D-4F12E71A0C18}" type="datetimeFigureOut">
               <a:rPr lang="cs-CZ" smtClean="0"/>
-              <a:t>13.10.2021</a:t>
+              <a:t>18.10.2021</a:t>
             </a:fld>
             <a:endParaRPr lang="cs-CZ"/>
           </a:p>
@@ -2892,7 +2892,7 @@
           <a:p>
             <a:fld id="{0DA6F2F8-F70A-47D7-AD2D-4F12E71A0C18}" type="datetimeFigureOut">
               <a:rPr lang="cs-CZ" smtClean="0"/>
-              <a:t>13.10.2021</a:t>
+              <a:t>18.10.2021</a:t>
             </a:fld>
             <a:endParaRPr lang="cs-CZ"/>
           </a:p>
@@ -3161,7 +3161,7 @@
           <a:p>
             <a:fld id="{0DA6F2F8-F70A-47D7-AD2D-4F12E71A0C18}" type="datetimeFigureOut">
               <a:rPr lang="cs-CZ" smtClean="0"/>
-              <a:t>13.10.2021</a:t>
+              <a:t>18.10.2021</a:t>
             </a:fld>
             <a:endParaRPr lang="cs-CZ"/>
           </a:p>
@@ -3425,7 +3425,7 @@
           <a:p>
             <a:fld id="{0DA6F2F8-F70A-47D7-AD2D-4F12E71A0C18}" type="datetimeFigureOut">
               <a:rPr lang="cs-CZ" smtClean="0"/>
-              <a:t>13.10.2021</a:t>
+              <a:t>18.10.2021</a:t>
             </a:fld>
             <a:endParaRPr lang="cs-CZ"/>
           </a:p>
@@ -5809,12 +5809,6 @@
 </file>
 
 <file path=customXml/item1.xml><?xml version="1.0" encoding="utf-8"?>
-<p:properties xmlns:p="http://schemas.microsoft.com/office/2006/metadata/properties" xmlns:xsi="http://www.w3.org/2001/XMLSchema-instance" xmlns:pc="http://schemas.microsoft.com/office/infopath/2007/PartnerControls">
-  <documentManagement/>
-</p:properties>
-</file>
-
-<file path=customXml/item2.xml><?xml version="1.0" encoding="utf-8"?>
 <ct:contentTypeSchema xmlns:ct="http://schemas.microsoft.com/office/2006/metadata/contentType" xmlns:ma="http://schemas.microsoft.com/office/2006/metadata/properties/metaAttributes" ct:_="" ma:_="" ma:contentTypeName="Dokument" ma:contentTypeID="0x0101000FED9D5FE1F44145801737A7BA47560B" ma:contentTypeVersion="0" ma:contentTypeDescription="Vytvoří nový dokument" ma:contentTypeScope="" ma:versionID="865cee90d61be235413a64cabd79a281">
   <xsd:schema xmlns:xsd="http://www.w3.org/2001/XMLSchema" xmlns:xs="http://www.w3.org/2001/XMLSchema" xmlns:p="http://schemas.microsoft.com/office/2006/metadata/properties" targetNamespace="http://schemas.microsoft.com/office/2006/metadata/properties" ma:root="true" ma:fieldsID="871d6b51c5141eb32e0d04e037372b3c">
     <xsd:element name="properties">
@@ -5928,6 +5922,12 @@
 </ct:contentTypeSchema>
 </file>
 
+<file path=customXml/item2.xml><?xml version="1.0" encoding="utf-8"?>
+<p:properties xmlns:p="http://schemas.microsoft.com/office/2006/metadata/properties" xmlns:xsi="http://www.w3.org/2001/XMLSchema-instance" xmlns:pc="http://schemas.microsoft.com/office/infopath/2007/PartnerControls">
+  <documentManagement/>
+</p:properties>
+</file>
+
 <file path=customXml/item3.xml><?xml version="1.0" encoding="utf-8"?>
 <?mso-contentType ?>
 <FormTemplates xmlns="http://schemas.microsoft.com/sharepoint/v3/contenttype/forms">
@@ -5938,15 +5938,6 @@
 </file>
 
 <file path=customXml/itemProps1.xml><?xml version="1.0" encoding="utf-8"?>
-<ds:datastoreItem xmlns:ds="http://schemas.openxmlformats.org/officeDocument/2006/customXml" ds:itemID="{317FD51D-081C-435E-8F5D-6D88218064D9}">
-  <ds:schemaRefs>
-    <ds:schemaRef ds:uri="http://schemas.microsoft.com/office/2006/metadata/properties"/>
-    <ds:schemaRef ds:uri="http://schemas.microsoft.com/office/infopath/2007/PartnerControls"/>
-  </ds:schemaRefs>
-</ds:datastoreItem>
-</file>
-
-<file path=customXml/itemProps2.xml><?xml version="1.0" encoding="utf-8"?>
 <ds:datastoreItem xmlns:ds="http://schemas.openxmlformats.org/officeDocument/2006/customXml" ds:itemID="{BABDB233-CC77-4AD7-B48B-2F061438568A}">
   <ds:schemaRefs>
     <ds:schemaRef ds:uri="http://schemas.microsoft.com/office/2006/metadata/contentType"/>
@@ -5962,6 +5953,15 @@
 </ds:datastoreItem>
 </file>
 
+<file path=customXml/itemProps2.xml><?xml version="1.0" encoding="utf-8"?>
+<ds:datastoreItem xmlns:ds="http://schemas.openxmlformats.org/officeDocument/2006/customXml" ds:itemID="{317FD51D-081C-435E-8F5D-6D88218064D9}">
+  <ds:schemaRefs>
+    <ds:schemaRef ds:uri="http://schemas.microsoft.com/office/2006/metadata/properties"/>
+    <ds:schemaRef ds:uri="http://schemas.microsoft.com/office/infopath/2007/PartnerControls"/>
+  </ds:schemaRefs>
+</ds:datastoreItem>
+</file>
+
 <file path=customXml/itemProps3.xml><?xml version="1.0" encoding="utf-8"?>
 <ds:datastoreItem xmlns:ds="http://schemas.openxmlformats.org/officeDocument/2006/customXml" ds:itemID="{B22238E5-BDC0-4655-AFB5-A7405C559E7D}">
   <ds:schemaRefs>

--- a/Presentation/02 - Blazor - Komponenty.pptx
+++ b/Presentation/02 - Blazor - Komponenty.pptx
@@ -248,7 +248,7 @@
             <a:fld id="{A74C3DD1-6B4C-423E-A696-BD4124EC33BC}" type="datetimeFigureOut">
               <a:rPr lang="cs-CZ" smtClean="0"/>
               <a:pPr/>
-              <a:t>18.10.2021</a:t>
+              <a:t>27.10.2021</a:t>
             </a:fld>
             <a:endParaRPr lang="cs-CZ" dirty="0"/>
           </a:p>
@@ -715,7 +715,7 @@
           <a:p>
             <a:fld id="{0DA6F2F8-F70A-47D7-AD2D-4F12E71A0C18}" type="datetimeFigureOut">
               <a:rPr lang="cs-CZ" smtClean="0"/>
-              <a:t>18.10.2021</a:t>
+              <a:t>27.10.2021</a:t>
             </a:fld>
             <a:endParaRPr lang="cs-CZ"/>
           </a:p>
@@ -897,7 +897,7 @@
           <a:p>
             <a:fld id="{0DA6F2F8-F70A-47D7-AD2D-4F12E71A0C18}" type="datetimeFigureOut">
               <a:rPr lang="cs-CZ" smtClean="0"/>
-              <a:t>18.10.2021</a:t>
+              <a:t>27.10.2021</a:t>
             </a:fld>
             <a:endParaRPr lang="cs-CZ"/>
           </a:p>
@@ -1089,7 +1089,7 @@
           <a:p>
             <a:fld id="{0DA6F2F8-F70A-47D7-AD2D-4F12E71A0C18}" type="datetimeFigureOut">
               <a:rPr lang="cs-CZ" smtClean="0"/>
-              <a:t>18.10.2021</a:t>
+              <a:t>27.10.2021</a:t>
             </a:fld>
             <a:endParaRPr lang="cs-CZ"/>
           </a:p>
@@ -1304,7 +1304,7 @@
           <a:p>
             <a:fld id="{0DA6F2F8-F70A-47D7-AD2D-4F12E71A0C18}" type="datetimeFigureOut">
               <a:rPr lang="cs-CZ" smtClean="0"/>
-              <a:t>18.10.2021</a:t>
+              <a:t>27.10.2021</a:t>
             </a:fld>
             <a:endParaRPr lang="cs-CZ"/>
           </a:p>
@@ -1579,7 +1579,7 @@
           <a:p>
             <a:fld id="{0DA6F2F8-F70A-47D7-AD2D-4F12E71A0C18}" type="datetimeFigureOut">
               <a:rPr lang="cs-CZ" smtClean="0"/>
-              <a:t>18.10.2021</a:t>
+              <a:t>27.10.2021</a:t>
             </a:fld>
             <a:endParaRPr lang="cs-CZ"/>
           </a:p>
@@ -1896,7 +1896,7 @@
           <a:p>
             <a:fld id="{0DA6F2F8-F70A-47D7-AD2D-4F12E71A0C18}" type="datetimeFigureOut">
               <a:rPr lang="cs-CZ" smtClean="0"/>
-              <a:t>18.10.2021</a:t>
+              <a:t>27.10.2021</a:t>
             </a:fld>
             <a:endParaRPr lang="cs-CZ" dirty="0"/>
           </a:p>
@@ -2347,7 +2347,7 @@
           <a:p>
             <a:fld id="{0DA6F2F8-F70A-47D7-AD2D-4F12E71A0C18}" type="datetimeFigureOut">
               <a:rPr lang="cs-CZ" smtClean="0"/>
-              <a:t>18.10.2021</a:t>
+              <a:t>27.10.2021</a:t>
             </a:fld>
             <a:endParaRPr lang="cs-CZ"/>
           </a:p>
@@ -2494,7 +2494,7 @@
           <a:p>
             <a:fld id="{0DA6F2F8-F70A-47D7-AD2D-4F12E71A0C18}" type="datetimeFigureOut">
               <a:rPr lang="cs-CZ" smtClean="0"/>
-              <a:t>18.10.2021</a:t>
+              <a:t>27.10.2021</a:t>
             </a:fld>
             <a:endParaRPr lang="cs-CZ"/>
           </a:p>
@@ -2601,7 +2601,7 @@
           <a:p>
             <a:fld id="{0DA6F2F8-F70A-47D7-AD2D-4F12E71A0C18}" type="datetimeFigureOut">
               <a:rPr lang="cs-CZ" smtClean="0"/>
-              <a:t>18.10.2021</a:t>
+              <a:t>27.10.2021</a:t>
             </a:fld>
             <a:endParaRPr lang="cs-CZ"/>
           </a:p>
@@ -2892,7 +2892,7 @@
           <a:p>
             <a:fld id="{0DA6F2F8-F70A-47D7-AD2D-4F12E71A0C18}" type="datetimeFigureOut">
               <a:rPr lang="cs-CZ" smtClean="0"/>
-              <a:t>18.10.2021</a:t>
+              <a:t>27.10.2021</a:t>
             </a:fld>
             <a:endParaRPr lang="cs-CZ"/>
           </a:p>
@@ -3161,7 +3161,7 @@
           <a:p>
             <a:fld id="{0DA6F2F8-F70A-47D7-AD2D-4F12E71A0C18}" type="datetimeFigureOut">
               <a:rPr lang="cs-CZ" smtClean="0"/>
-              <a:t>18.10.2021</a:t>
+              <a:t>27.10.2021</a:t>
             </a:fld>
             <a:endParaRPr lang="cs-CZ"/>
           </a:p>
@@ -3425,7 +3425,7 @@
           <a:p>
             <a:fld id="{0DA6F2F8-F70A-47D7-AD2D-4F12E71A0C18}" type="datetimeFigureOut">
               <a:rPr lang="cs-CZ" smtClean="0"/>
-              <a:t>18.10.2021</a:t>
+              <a:t>27.10.2021</a:t>
             </a:fld>
             <a:endParaRPr lang="cs-CZ"/>
           </a:p>
@@ -4561,7 +4561,7 @@
           <a:p>
             <a:r>
               <a:rPr lang="cs-CZ" dirty="0"/>
-              <a:t>Zítra: @(DateTime.Today</a:t>
+              <a:t>Zítra: @((DateTime.Today</a:t>
             </a:r>
             <a:r>
               <a:rPr lang="cs-CZ" dirty="0">
@@ -4585,7 +4585,7 @@
             </a:r>
             <a:r>
               <a:rPr lang="cs-CZ" dirty="0"/>
-              <a:t>TimeSpan.FromDays(1).ToShortDateString())</a:t>
+              <a:t>TimeSpan.FromDays(1)).ToShortDateString())</a:t>
             </a:r>
           </a:p>
           <a:p>
@@ -5809,6 +5809,21 @@
 </file>
 
 <file path=customXml/item1.xml><?xml version="1.0" encoding="utf-8"?>
+<?mso-contentType ?>
+<FormTemplates xmlns="http://schemas.microsoft.com/sharepoint/v3/contenttype/forms">
+  <Display>DocumentLibraryForm</Display>
+  <Edit>DocumentLibraryForm</Edit>
+  <New>DocumentLibraryForm</New>
+</FormTemplates>
+</file>
+
+<file path=customXml/item2.xml><?xml version="1.0" encoding="utf-8"?>
+<p:properties xmlns:p="http://schemas.microsoft.com/office/2006/metadata/properties" xmlns:xsi="http://www.w3.org/2001/XMLSchema-instance" xmlns:pc="http://schemas.microsoft.com/office/infopath/2007/PartnerControls">
+  <documentManagement/>
+</p:properties>
+</file>
+
+<file path=customXml/item3.xml><?xml version="1.0" encoding="utf-8"?>
 <ct:contentTypeSchema xmlns:ct="http://schemas.microsoft.com/office/2006/metadata/contentType" xmlns:ma="http://schemas.microsoft.com/office/2006/metadata/properties/metaAttributes" ct:_="" ma:_="" ma:contentTypeName="Dokument" ma:contentTypeID="0x0101000FED9D5FE1F44145801737A7BA47560B" ma:contentTypeVersion="0" ma:contentTypeDescription="Vytvoří nový dokument" ma:contentTypeScope="" ma:versionID="865cee90d61be235413a64cabd79a281">
   <xsd:schema xmlns:xsd="http://www.w3.org/2001/XMLSchema" xmlns:xs="http://www.w3.org/2001/XMLSchema" xmlns:p="http://schemas.microsoft.com/office/2006/metadata/properties" targetNamespace="http://schemas.microsoft.com/office/2006/metadata/properties" ma:root="true" ma:fieldsID="871d6b51c5141eb32e0d04e037372b3c">
     <xsd:element name="properties">
@@ -5922,33 +5937,10 @@
 </ct:contentTypeSchema>
 </file>
 
-<file path=customXml/item2.xml><?xml version="1.0" encoding="utf-8"?>
-<p:properties xmlns:p="http://schemas.microsoft.com/office/2006/metadata/properties" xmlns:xsi="http://www.w3.org/2001/XMLSchema-instance" xmlns:pc="http://schemas.microsoft.com/office/infopath/2007/PartnerControls">
-  <documentManagement/>
-</p:properties>
-</file>
-
-<file path=customXml/item3.xml><?xml version="1.0" encoding="utf-8"?>
-<?mso-contentType ?>
-<FormTemplates xmlns="http://schemas.microsoft.com/sharepoint/v3/contenttype/forms">
-  <Display>DocumentLibraryForm</Display>
-  <Edit>DocumentLibraryForm</Edit>
-  <New>DocumentLibraryForm</New>
-</FormTemplates>
-</file>
-
 <file path=customXml/itemProps1.xml><?xml version="1.0" encoding="utf-8"?>
-<ds:datastoreItem xmlns:ds="http://schemas.openxmlformats.org/officeDocument/2006/customXml" ds:itemID="{BABDB233-CC77-4AD7-B48B-2F061438568A}">
+<ds:datastoreItem xmlns:ds="http://schemas.openxmlformats.org/officeDocument/2006/customXml" ds:itemID="{B22238E5-BDC0-4655-AFB5-A7405C559E7D}">
   <ds:schemaRefs>
-    <ds:schemaRef ds:uri="http://schemas.microsoft.com/office/2006/metadata/contentType"/>
-    <ds:schemaRef ds:uri="http://schemas.microsoft.com/office/2006/metadata/properties/metaAttributes"/>
-    <ds:schemaRef ds:uri="http://www.w3.org/2001/XMLSchema"/>
-    <ds:schemaRef ds:uri="http://schemas.microsoft.com/office/2006/metadata/properties"/>
-    <ds:schemaRef ds:uri="http://schemas.openxmlformats.org/package/2006/metadata/core-properties"/>
-    <ds:schemaRef ds:uri="http://purl.org/dc/elements/1.1/"/>
-    <ds:schemaRef ds:uri="http://purl.org/dc/terms/"/>
-    <ds:schemaRef ds:uri="http://schemas.microsoft.com/internal/obd"/>
-    <ds:schemaRef ds:uri="http://schemas.microsoft.com/office/infopath/2007/PartnerControls"/>
+    <ds:schemaRef ds:uri="http://schemas.microsoft.com/sharepoint/v3/contenttype/forms"/>
   </ds:schemaRefs>
 </ds:datastoreItem>
 </file>
@@ -5963,9 +5955,17 @@
 </file>
 
 <file path=customXml/itemProps3.xml><?xml version="1.0" encoding="utf-8"?>
-<ds:datastoreItem xmlns:ds="http://schemas.openxmlformats.org/officeDocument/2006/customXml" ds:itemID="{B22238E5-BDC0-4655-AFB5-A7405C559E7D}">
+<ds:datastoreItem xmlns:ds="http://schemas.openxmlformats.org/officeDocument/2006/customXml" ds:itemID="{BABDB233-CC77-4AD7-B48B-2F061438568A}">
   <ds:schemaRefs>
-    <ds:schemaRef ds:uri="http://schemas.microsoft.com/sharepoint/v3/contenttype/forms"/>
+    <ds:schemaRef ds:uri="http://schemas.microsoft.com/office/2006/metadata/contentType"/>
+    <ds:schemaRef ds:uri="http://schemas.microsoft.com/office/2006/metadata/properties/metaAttributes"/>
+    <ds:schemaRef ds:uri="http://www.w3.org/2001/XMLSchema"/>
+    <ds:schemaRef ds:uri="http://schemas.microsoft.com/office/2006/metadata/properties"/>
+    <ds:schemaRef ds:uri="http://schemas.openxmlformats.org/package/2006/metadata/core-properties"/>
+    <ds:schemaRef ds:uri="http://purl.org/dc/elements/1.1/"/>
+    <ds:schemaRef ds:uri="http://purl.org/dc/terms/"/>
+    <ds:schemaRef ds:uri="http://schemas.microsoft.com/internal/obd"/>
+    <ds:schemaRef ds:uri="http://schemas.microsoft.com/office/infopath/2007/PartnerControls"/>
   </ds:schemaRefs>
 </ds:datastoreItem>
 </file>
--- a/Presentation/02 - Blazor - Komponenty.pptx
+++ b/Presentation/02 - Blazor - Komponenty.pptx
@@ -5,7 +5,7 @@
     <p:sldMasterId id="2147483794" r:id="rId4"/>
   </p:sldMasterIdLst>
   <p:notesMasterIdLst>
-    <p:notesMasterId r:id="rId15"/>
+    <p:notesMasterId r:id="rId18"/>
   </p:notesMasterIdLst>
   <p:sldIdLst>
     <p:sldId id="256" r:id="rId5"/>
@@ -18,6 +18,9 @@
     <p:sldId id="336" r:id="rId12"/>
     <p:sldId id="337" r:id="rId13"/>
     <p:sldId id="329" r:id="rId14"/>
+    <p:sldId id="340" r:id="rId15"/>
+    <p:sldId id="342" r:id="rId16"/>
+    <p:sldId id="346" r:id="rId17"/>
   </p:sldIdLst>
   <p:sldSz cx="12192000" cy="6858000"/>
   <p:notesSz cx="6858000" cy="9144000"/>
@@ -248,7 +251,7 @@
             <a:fld id="{A74C3DD1-6B4C-423E-A696-BD4124EC33BC}" type="datetimeFigureOut">
               <a:rPr lang="cs-CZ" smtClean="0"/>
               <a:pPr/>
-              <a:t>27.10.2021</a:t>
+              <a:t>12.01.2024</a:t>
             </a:fld>
             <a:endParaRPr lang="cs-CZ" dirty="0"/>
           </a:p>
@@ -715,7 +718,7 @@
           <a:p>
             <a:fld id="{0DA6F2F8-F70A-47D7-AD2D-4F12E71A0C18}" type="datetimeFigureOut">
               <a:rPr lang="cs-CZ" smtClean="0"/>
-              <a:t>27.10.2021</a:t>
+              <a:t>12.01.2024</a:t>
             </a:fld>
             <a:endParaRPr lang="cs-CZ"/>
           </a:p>
@@ -897,7 +900,7 @@
           <a:p>
             <a:fld id="{0DA6F2F8-F70A-47D7-AD2D-4F12E71A0C18}" type="datetimeFigureOut">
               <a:rPr lang="cs-CZ" smtClean="0"/>
-              <a:t>27.10.2021</a:t>
+              <a:t>12.01.2024</a:t>
             </a:fld>
             <a:endParaRPr lang="cs-CZ"/>
           </a:p>
@@ -1089,7 +1092,7 @@
           <a:p>
             <a:fld id="{0DA6F2F8-F70A-47D7-AD2D-4F12E71A0C18}" type="datetimeFigureOut">
               <a:rPr lang="cs-CZ" smtClean="0"/>
-              <a:t>27.10.2021</a:t>
+              <a:t>12.01.2024</a:t>
             </a:fld>
             <a:endParaRPr lang="cs-CZ"/>
           </a:p>
@@ -1304,7 +1307,7 @@
           <a:p>
             <a:fld id="{0DA6F2F8-F70A-47D7-AD2D-4F12E71A0C18}" type="datetimeFigureOut">
               <a:rPr lang="cs-CZ" smtClean="0"/>
-              <a:t>27.10.2021</a:t>
+              <a:t>12.01.2024</a:t>
             </a:fld>
             <a:endParaRPr lang="cs-CZ"/>
           </a:p>
@@ -1579,7 +1582,7 @@
           <a:p>
             <a:fld id="{0DA6F2F8-F70A-47D7-AD2D-4F12E71A0C18}" type="datetimeFigureOut">
               <a:rPr lang="cs-CZ" smtClean="0"/>
-              <a:t>27.10.2021</a:t>
+              <a:t>12.01.2024</a:t>
             </a:fld>
             <a:endParaRPr lang="cs-CZ"/>
           </a:p>
@@ -1896,7 +1899,7 @@
           <a:p>
             <a:fld id="{0DA6F2F8-F70A-47D7-AD2D-4F12E71A0C18}" type="datetimeFigureOut">
               <a:rPr lang="cs-CZ" smtClean="0"/>
-              <a:t>27.10.2021</a:t>
+              <a:t>12.01.2024</a:t>
             </a:fld>
             <a:endParaRPr lang="cs-CZ" dirty="0"/>
           </a:p>
@@ -2347,7 +2350,7 @@
           <a:p>
             <a:fld id="{0DA6F2F8-F70A-47D7-AD2D-4F12E71A0C18}" type="datetimeFigureOut">
               <a:rPr lang="cs-CZ" smtClean="0"/>
-              <a:t>27.10.2021</a:t>
+              <a:t>12.01.2024</a:t>
             </a:fld>
             <a:endParaRPr lang="cs-CZ"/>
           </a:p>
@@ -2494,7 +2497,7 @@
           <a:p>
             <a:fld id="{0DA6F2F8-F70A-47D7-AD2D-4F12E71A0C18}" type="datetimeFigureOut">
               <a:rPr lang="cs-CZ" smtClean="0"/>
-              <a:t>27.10.2021</a:t>
+              <a:t>12.01.2024</a:t>
             </a:fld>
             <a:endParaRPr lang="cs-CZ"/>
           </a:p>
@@ -2601,7 +2604,7 @@
           <a:p>
             <a:fld id="{0DA6F2F8-F70A-47D7-AD2D-4F12E71A0C18}" type="datetimeFigureOut">
               <a:rPr lang="cs-CZ" smtClean="0"/>
-              <a:t>27.10.2021</a:t>
+              <a:t>12.01.2024</a:t>
             </a:fld>
             <a:endParaRPr lang="cs-CZ"/>
           </a:p>
@@ -2892,7 +2895,7 @@
           <a:p>
             <a:fld id="{0DA6F2F8-F70A-47D7-AD2D-4F12E71A0C18}" type="datetimeFigureOut">
               <a:rPr lang="cs-CZ" smtClean="0"/>
-              <a:t>27.10.2021</a:t>
+              <a:t>12.01.2024</a:t>
             </a:fld>
             <a:endParaRPr lang="cs-CZ"/>
           </a:p>
@@ -3161,7 +3164,7 @@
           <a:p>
             <a:fld id="{0DA6F2F8-F70A-47D7-AD2D-4F12E71A0C18}" type="datetimeFigureOut">
               <a:rPr lang="cs-CZ" smtClean="0"/>
-              <a:t>27.10.2021</a:t>
+              <a:t>12.01.2024</a:t>
             </a:fld>
             <a:endParaRPr lang="cs-CZ"/>
           </a:p>
@@ -3425,7 +3428,7 @@
           <a:p>
             <a:fld id="{0DA6F2F8-F70A-47D7-AD2D-4F12E71A0C18}" type="datetimeFigureOut">
               <a:rPr lang="cs-CZ" smtClean="0"/>
-              <a:t>27.10.2021</a:t>
+              <a:t>12.01.2024</a:t>
             </a:fld>
             <a:endParaRPr lang="cs-CZ"/>
           </a:p>
@@ -4051,6 +4054,792 @@
 </p:sld>
 </file>
 
+<file path=ppt/slides/slide11.xml><?xml version="1.0" encoding="utf-8"?>
+<p:sld xmlns:a="http://schemas.openxmlformats.org/drawingml/2006/main" xmlns:r="http://schemas.openxmlformats.org/officeDocument/2006/relationships" xmlns:p="http://schemas.openxmlformats.org/presentationml/2006/main" showMasterSp="0">
+  <p:cSld>
+    <p:spTree>
+      <p:nvGrpSpPr>
+        <p:cNvPr id="1" name=""/>
+        <p:cNvGrpSpPr/>
+        <p:nvPr/>
+      </p:nvGrpSpPr>
+      <p:grpSpPr>
+        <a:xfrm>
+          <a:off x="0" y="0"/>
+          <a:ext cx="0" cy="0"/>
+          <a:chOff x="0" y="0"/>
+          <a:chExt cx="0" cy="0"/>
+        </a:xfrm>
+      </p:grpSpPr>
+      <p:sp>
+        <p:nvSpPr>
+          <p:cNvPr id="2" name="Title 1">
+            <a:extLst>
+              <a:ext uri="{FF2B5EF4-FFF2-40B4-BE49-F238E27FC236}">
+                <a16:creationId xmlns:a16="http://schemas.microsoft.com/office/drawing/2014/main" id="{4350825F-3163-DA20-7CBC-8B342F3959C3}"/>
+              </a:ext>
+            </a:extLst>
+          </p:cNvPr>
+          <p:cNvSpPr>
+            <a:spLocks noGrp="1"/>
+          </p:cNvSpPr>
+          <p:nvPr>
+            <p:ph type="title"/>
+          </p:nvPr>
+        </p:nvSpPr>
+        <p:spPr/>
+        <p:txBody>
+          <a:bodyPr/>
+          <a:lstStyle/>
+          <a:p>
+            <a:r>
+              <a:rPr lang="cs-CZ" dirty="0"/>
+              <a:t>Komponenty</a:t>
+            </a:r>
+          </a:p>
+        </p:txBody>
+      </p:sp>
+      <p:graphicFrame>
+        <p:nvGraphicFramePr>
+          <p:cNvPr id="4" name="Table 3">
+            <a:extLst>
+              <a:ext uri="{FF2B5EF4-FFF2-40B4-BE49-F238E27FC236}">
+                <a16:creationId xmlns:a16="http://schemas.microsoft.com/office/drawing/2014/main" id="{60FA917C-92F3-F5B4-440A-85875FFC50FC}"/>
+              </a:ext>
+            </a:extLst>
+          </p:cNvPr>
+          <p:cNvGraphicFramePr>
+            <a:graphicFrameLocks noGrp="1"/>
+          </p:cNvGraphicFramePr>
+          <p:nvPr>
+            <p:extLst>
+              <p:ext uri="{D42A27DB-BD31-4B8C-83A1-F6EECF244321}">
+                <p14:modId xmlns:p14="http://schemas.microsoft.com/office/powerpoint/2010/main" val="1605948204"/>
+              </p:ext>
+            </p:extLst>
+          </p:nvPr>
+        </p:nvGraphicFramePr>
+        <p:xfrm>
+          <a:off x="609600" y="1417638"/>
+          <a:ext cx="11031016" cy="5257608"/>
+        </p:xfrm>
+        <a:graphic>
+          <a:graphicData uri="http://schemas.openxmlformats.org/drawingml/2006/table">
+            <a:tbl>
+              <a:tblPr firstRow="1" bandRow="1">
+                <a:tableStyleId>{073A0DAA-6AF3-43AB-8588-CEC1D06C72B9}</a:tableStyleId>
+              </a:tblPr>
+              <a:tblGrid>
+                <a:gridCol w="5515508">
+                  <a:extLst>
+                    <a:ext uri="{9D8B030D-6E8A-4147-A177-3AD203B41FA5}">
+                      <a16:colId xmlns:a16="http://schemas.microsoft.com/office/drawing/2014/main" val="82356009"/>
+                    </a:ext>
+                  </a:extLst>
+                </a:gridCol>
+                <a:gridCol w="5515508">
+                  <a:extLst>
+                    <a:ext uri="{9D8B030D-6E8A-4147-A177-3AD203B41FA5}">
+                      <a16:colId xmlns:a16="http://schemas.microsoft.com/office/drawing/2014/main" val="612899864"/>
+                    </a:ext>
+                  </a:extLst>
+                </a:gridCol>
+              </a:tblGrid>
+              <a:tr h="571139">
+                <a:tc>
+                  <a:txBody>
+                    <a:bodyPr/>
+                    <a:lstStyle/>
+                    <a:p>
+                      <a:r>
+                        <a:rPr lang="cs-CZ" sz="2400" dirty="0" err="1"/>
+                        <a:t>WebForms</a:t>
+                      </a:r>
+                      <a:endParaRPr lang="cs-CZ" sz="2400" dirty="0"/>
+                    </a:p>
+                  </a:txBody>
+                  <a:tcPr marL="121416" marR="121416" marT="60708" marB="60708"/>
+                </a:tc>
+                <a:tc>
+                  <a:txBody>
+                    <a:bodyPr/>
+                    <a:lstStyle/>
+                    <a:p>
+                      <a:r>
+                        <a:rPr lang="cs-CZ" sz="2400" dirty="0" err="1"/>
+                        <a:t>Blazor</a:t>
+                      </a:r>
+                      <a:endParaRPr lang="cs-CZ" sz="2400" dirty="0"/>
+                    </a:p>
+                  </a:txBody>
+                  <a:tcPr marL="121416" marR="121416" marT="60708" marB="60708"/>
+                </a:tc>
+                <a:extLst>
+                  <a:ext uri="{0D108BD9-81ED-4DB2-BD59-A6C34878D82A}">
+                    <a16:rowId xmlns:a16="http://schemas.microsoft.com/office/drawing/2014/main" val="2721809177"/>
+                  </a:ext>
+                </a:extLst>
+              </a:tr>
+              <a:tr h="571139">
+                <a:tc>
+                  <a:txBody>
+                    <a:bodyPr/>
+                    <a:lstStyle/>
+                    <a:p>
+                      <a:r>
+                        <a:rPr lang="cs-CZ" sz="2400" dirty="0" err="1"/>
+                        <a:t>Button</a:t>
+                      </a:r>
+                      <a:endParaRPr lang="cs-CZ" sz="2400" dirty="0"/>
+                    </a:p>
+                  </a:txBody>
+                  <a:tcPr marL="121416" marR="121416" marT="60708" marB="60708"/>
+                </a:tc>
+                <a:tc>
+                  <a:txBody>
+                    <a:bodyPr/>
+                    <a:lstStyle/>
+                    <a:p>
+                      <a:r>
+                        <a:rPr lang="cs-CZ" sz="2400" dirty="0"/>
+                        <a:t>– (html </a:t>
+                      </a:r>
+                      <a:r>
+                        <a:rPr lang="cs-CZ" sz="2400" dirty="0" err="1"/>
+                        <a:t>button</a:t>
+                      </a:r>
+                      <a:r>
+                        <a:rPr lang="cs-CZ" sz="2400" dirty="0"/>
+                        <a:t>)</a:t>
+                      </a:r>
+                    </a:p>
+                  </a:txBody>
+                  <a:tcPr marL="121416" marR="121416" marT="60708" marB="60708"/>
+                </a:tc>
+                <a:extLst>
+                  <a:ext uri="{0D108BD9-81ED-4DB2-BD59-A6C34878D82A}">
+                    <a16:rowId xmlns:a16="http://schemas.microsoft.com/office/drawing/2014/main" val="3979826039"/>
+                  </a:ext>
+                </a:extLst>
+              </a:tr>
+              <a:tr h="571139">
+                <a:tc>
+                  <a:txBody>
+                    <a:bodyPr/>
+                    <a:lstStyle/>
+                    <a:p>
+                      <a:r>
+                        <a:rPr lang="cs-CZ" sz="2400" dirty="0" err="1"/>
+                        <a:t>TextBox</a:t>
+                      </a:r>
+                      <a:endParaRPr lang="cs-CZ" sz="2400" dirty="0"/>
+                    </a:p>
+                  </a:txBody>
+                  <a:tcPr marL="121416" marR="121416" marT="60708" marB="60708"/>
+                </a:tc>
+                <a:tc>
+                  <a:txBody>
+                    <a:bodyPr/>
+                    <a:lstStyle/>
+                    <a:p>
+                      <a:r>
+                        <a:rPr lang="cs-CZ" sz="2400" dirty="0" err="1"/>
+                        <a:t>InputText</a:t>
+                      </a:r>
+                      <a:endParaRPr lang="cs-CZ" sz="2400" dirty="0"/>
+                    </a:p>
+                  </a:txBody>
+                  <a:tcPr marL="121416" marR="121416" marT="60708" marB="60708"/>
+                </a:tc>
+                <a:extLst>
+                  <a:ext uri="{0D108BD9-81ED-4DB2-BD59-A6C34878D82A}">
+                    <a16:rowId xmlns:a16="http://schemas.microsoft.com/office/drawing/2014/main" val="3761856335"/>
+                  </a:ext>
+                </a:extLst>
+              </a:tr>
+              <a:tr h="571139">
+                <a:tc>
+                  <a:txBody>
+                    <a:bodyPr/>
+                    <a:lstStyle/>
+                    <a:p>
+                      <a:r>
+                        <a:rPr lang="cs-CZ" sz="2400" dirty="0" err="1"/>
+                        <a:t>CustomValidator</a:t>
+                      </a:r>
+                      <a:endParaRPr lang="cs-CZ" sz="2400" dirty="0"/>
+                    </a:p>
+                  </a:txBody>
+                  <a:tcPr marL="121416" marR="121416" marT="60708" marB="60708"/>
+                </a:tc>
+                <a:tc>
+                  <a:txBody>
+                    <a:bodyPr/>
+                    <a:lstStyle/>
+                    <a:p>
+                      <a:r>
+                        <a:rPr lang="cs-CZ" sz="2400" dirty="0"/>
+                        <a:t>(data </a:t>
+                      </a:r>
+                      <a:r>
+                        <a:rPr lang="cs-CZ" sz="2400" dirty="0" err="1"/>
+                        <a:t>annotations</a:t>
+                      </a:r>
+                      <a:r>
+                        <a:rPr lang="cs-CZ" sz="2400" dirty="0"/>
+                        <a:t> </a:t>
+                      </a:r>
+                      <a:r>
+                        <a:rPr lang="cs-CZ" sz="2400" dirty="0" err="1"/>
+                        <a:t>validation</a:t>
+                      </a:r>
+                      <a:r>
+                        <a:rPr lang="cs-CZ" sz="2400" dirty="0"/>
+                        <a:t>)</a:t>
+                      </a:r>
+                    </a:p>
+                  </a:txBody>
+                  <a:tcPr marL="121416" marR="121416" marT="60708" marB="60708"/>
+                </a:tc>
+                <a:extLst>
+                  <a:ext uri="{0D108BD9-81ED-4DB2-BD59-A6C34878D82A}">
+                    <a16:rowId xmlns:a16="http://schemas.microsoft.com/office/drawing/2014/main" val="2220706686"/>
+                  </a:ext>
+                </a:extLst>
+              </a:tr>
+              <a:tr h="571139">
+                <a:tc>
+                  <a:txBody>
+                    <a:bodyPr/>
+                    <a:lstStyle/>
+                    <a:p>
+                      <a:r>
+                        <a:rPr lang="cs-CZ" sz="2400" dirty="0" err="1"/>
+                        <a:t>Repeater</a:t>
+                      </a:r>
+                      <a:endParaRPr lang="cs-CZ" sz="2400" dirty="0"/>
+                    </a:p>
+                  </a:txBody>
+                  <a:tcPr marL="121416" marR="121416" marT="60708" marB="60708"/>
+                </a:tc>
+                <a:tc>
+                  <a:txBody>
+                    <a:bodyPr/>
+                    <a:lstStyle/>
+                    <a:p>
+                      <a:r>
+                        <a:rPr lang="cs-CZ" sz="2400" dirty="0"/>
+                        <a:t>– (@for, @foreach)</a:t>
+                      </a:r>
+                    </a:p>
+                  </a:txBody>
+                  <a:tcPr marL="121416" marR="121416" marT="60708" marB="60708"/>
+                </a:tc>
+                <a:extLst>
+                  <a:ext uri="{0D108BD9-81ED-4DB2-BD59-A6C34878D82A}">
+                    <a16:rowId xmlns:a16="http://schemas.microsoft.com/office/drawing/2014/main" val="1525800070"/>
+                  </a:ext>
+                </a:extLst>
+              </a:tr>
+              <a:tr h="1830774">
+                <a:tc>
+                  <a:txBody>
+                    <a:bodyPr/>
+                    <a:lstStyle/>
+                    <a:p>
+                      <a:r>
+                        <a:rPr lang="cs-CZ" sz="2400" dirty="0" err="1"/>
+                        <a:t>GridView</a:t>
+                      </a:r>
+                      <a:endParaRPr lang="cs-CZ" sz="2400" dirty="0"/>
+                    </a:p>
+                  </a:txBody>
+                  <a:tcPr marL="121416" marR="121416" marT="60708" marB="60708"/>
+                </a:tc>
+                <a:tc>
+                  <a:txBody>
+                    <a:bodyPr/>
+                    <a:lstStyle/>
+                    <a:p>
+                      <a:r>
+                        <a:rPr lang="cs-CZ" sz="2400" dirty="0"/>
+                        <a:t>– (</a:t>
+                      </a:r>
+                      <a:r>
+                        <a:rPr lang="cs-CZ" sz="2400" dirty="0" err="1"/>
+                        <a:t>QuickGrid</a:t>
+                      </a:r>
+                      <a:r>
+                        <a:rPr lang="cs-CZ" sz="2400" dirty="0"/>
+                        <a:t>)</a:t>
+                      </a:r>
+                      <a:br>
+                        <a:rPr lang="cs-CZ" sz="2400" dirty="0"/>
+                      </a:br>
+                      <a:r>
+                        <a:rPr lang="en-US" sz="2400" b="0" i="0" kern="1200" dirty="0">
+                          <a:solidFill>
+                            <a:schemeClr val="dk1"/>
+                          </a:solidFill>
+                          <a:effectLst/>
+                          <a:latin typeface="+mn-lt"/>
+                          <a:ea typeface="+mn-ea"/>
+                          <a:cs typeface="+mn-cs"/>
+                        </a:rPr>
+                        <a:t>serves as a reference architecture and performance baseline for building data grid components</a:t>
+                      </a:r>
+                      <a:endParaRPr lang="cs-CZ" sz="2400" dirty="0"/>
+                    </a:p>
+                  </a:txBody>
+                  <a:tcPr marL="121416" marR="121416" marT="60708" marB="60708"/>
+                </a:tc>
+                <a:extLst>
+                  <a:ext uri="{0D108BD9-81ED-4DB2-BD59-A6C34878D82A}">
+                    <a16:rowId xmlns:a16="http://schemas.microsoft.com/office/drawing/2014/main" val="905093460"/>
+                  </a:ext>
+                </a:extLst>
+              </a:tr>
+              <a:tr h="571139">
+                <a:tc>
+                  <a:txBody>
+                    <a:bodyPr/>
+                    <a:lstStyle/>
+                    <a:p>
+                      <a:r>
+                        <a:rPr lang="cs-CZ" sz="2400" dirty="0"/>
+                        <a:t>…</a:t>
+                      </a:r>
+                    </a:p>
+                  </a:txBody>
+                  <a:tcPr marL="121416" marR="121416" marT="60708" marB="60708"/>
+                </a:tc>
+                <a:tc>
+                  <a:txBody>
+                    <a:bodyPr/>
+                    <a:lstStyle/>
+                    <a:p>
+                      <a:r>
+                        <a:rPr lang="cs-CZ" sz="2400" dirty="0"/>
+                        <a:t>…</a:t>
+                      </a:r>
+                    </a:p>
+                  </a:txBody>
+                  <a:tcPr marL="121416" marR="121416" marT="60708" marB="60708"/>
+                </a:tc>
+                <a:extLst>
+                  <a:ext uri="{0D108BD9-81ED-4DB2-BD59-A6C34878D82A}">
+                    <a16:rowId xmlns:a16="http://schemas.microsoft.com/office/drawing/2014/main" val="3131371308"/>
+                  </a:ext>
+                </a:extLst>
+              </a:tr>
+            </a:tbl>
+          </a:graphicData>
+        </a:graphic>
+      </p:graphicFrame>
+    </p:spTree>
+    <p:extLst>
+      <p:ext uri="{BB962C8B-B14F-4D97-AF65-F5344CB8AC3E}">
+        <p14:creationId xmlns:p14="http://schemas.microsoft.com/office/powerpoint/2010/main" val="3082346583"/>
+      </p:ext>
+    </p:extLst>
+  </p:cSld>
+  <p:clrMapOvr>
+    <a:masterClrMapping/>
+  </p:clrMapOvr>
+  <mc:AlternateContent xmlns:mc="http://schemas.openxmlformats.org/markup-compatibility/2006" xmlns:p14="http://schemas.microsoft.com/office/powerpoint/2010/main">
+    <mc:Choice Requires="p14">
+      <p:transition spd="med" p14:dur="700">
+        <p:fade/>
+      </p:transition>
+    </mc:Choice>
+    <mc:Fallback xmlns="">
+      <p:transition spd="med">
+        <p:fade/>
+      </p:transition>
+    </mc:Fallback>
+  </mc:AlternateContent>
+</p:sld>
+</file>
+
+<file path=ppt/slides/slide12.xml><?xml version="1.0" encoding="utf-8"?>
+<p:sld xmlns:a="http://schemas.openxmlformats.org/drawingml/2006/main" xmlns:r="http://schemas.openxmlformats.org/officeDocument/2006/relationships" xmlns:p="http://schemas.openxmlformats.org/presentationml/2006/main">
+  <p:cSld>
+    <p:spTree>
+      <p:nvGrpSpPr>
+        <p:cNvPr id="1" name=""/>
+        <p:cNvGrpSpPr/>
+        <p:nvPr/>
+      </p:nvGrpSpPr>
+      <p:grpSpPr>
+        <a:xfrm>
+          <a:off x="0" y="0"/>
+          <a:ext cx="0" cy="0"/>
+          <a:chOff x="0" y="0"/>
+          <a:chExt cx="0" cy="0"/>
+        </a:xfrm>
+      </p:grpSpPr>
+      <p:sp>
+        <p:nvSpPr>
+          <p:cNvPr id="2" name="Title 1">
+            <a:extLst>
+              <a:ext uri="{FF2B5EF4-FFF2-40B4-BE49-F238E27FC236}">
+                <a16:creationId xmlns:a16="http://schemas.microsoft.com/office/drawing/2014/main" id="{DBB3369C-6F70-35E9-8587-3FF996E8094C}"/>
+              </a:ext>
+            </a:extLst>
+          </p:cNvPr>
+          <p:cNvSpPr>
+            <a:spLocks noGrp="1"/>
+          </p:cNvSpPr>
+          <p:nvPr>
+            <p:ph type="title"/>
+          </p:nvPr>
+        </p:nvSpPr>
+        <p:spPr/>
+        <p:txBody>
+          <a:bodyPr>
+            <a:normAutofit/>
+          </a:bodyPr>
+          <a:lstStyle/>
+          <a:p>
+            <a:r>
+              <a:rPr lang="cs-CZ" dirty="0"/>
+              <a:t>Komponenty</a:t>
+            </a:r>
+          </a:p>
+        </p:txBody>
+      </p:sp>
+      <p:sp>
+        <p:nvSpPr>
+          <p:cNvPr id="3" name="Content Placeholder 2">
+            <a:extLst>
+              <a:ext uri="{FF2B5EF4-FFF2-40B4-BE49-F238E27FC236}">
+                <a16:creationId xmlns:a16="http://schemas.microsoft.com/office/drawing/2014/main" id="{DF2B479C-C5F2-3B1D-7F2F-FED15C3CEC38}"/>
+              </a:ext>
+            </a:extLst>
+          </p:cNvPr>
+          <p:cNvSpPr>
+            <a:spLocks noGrp="1"/>
+          </p:cNvSpPr>
+          <p:nvPr>
+            <p:ph idx="1"/>
+          </p:nvPr>
+        </p:nvSpPr>
+        <p:spPr/>
+        <p:txBody>
+          <a:bodyPr/>
+          <a:lstStyle/>
+          <a:p>
+            <a:r>
+              <a:rPr lang="cs-CZ" dirty="0" err="1"/>
+              <a:t>Radzen</a:t>
+            </a:r>
+            <a:r>
+              <a:rPr lang="cs-CZ" dirty="0"/>
+              <a:t> </a:t>
+            </a:r>
+            <a:r>
+              <a:rPr lang="cs-CZ" dirty="0" err="1"/>
+              <a:t>Blazor</a:t>
+            </a:r>
+            <a:r>
+              <a:rPr lang="cs-CZ" dirty="0"/>
+              <a:t> </a:t>
+            </a:r>
+            <a:r>
+              <a:rPr lang="cs-CZ" dirty="0" err="1"/>
+              <a:t>Components</a:t>
+            </a:r>
+            <a:r>
+              <a:rPr lang="cs-CZ" dirty="0"/>
+              <a:t> (</a:t>
+            </a:r>
+            <a:r>
+              <a:rPr lang="cs-CZ" dirty="0">
+                <a:hlinkClick r:id="rId2"/>
+              </a:rPr>
+              <a:t>https://blazor.radzen.com/</a:t>
+            </a:r>
+            <a:r>
+              <a:rPr lang="cs-CZ" dirty="0"/>
+              <a:t>)</a:t>
+            </a:r>
+          </a:p>
+          <a:p>
+            <a:r>
+              <a:rPr lang="cs-CZ" dirty="0" err="1"/>
+              <a:t>MudBlazor</a:t>
+            </a:r>
+            <a:r>
+              <a:rPr lang="cs-CZ" dirty="0"/>
+              <a:t> (</a:t>
+            </a:r>
+            <a:r>
+              <a:rPr lang="cs-CZ" dirty="0">
+                <a:hlinkClick r:id="rId3"/>
+              </a:rPr>
+              <a:t>https://mudblazor.com/</a:t>
+            </a:r>
+            <a:r>
+              <a:rPr lang="cs-CZ" dirty="0"/>
+              <a:t>)</a:t>
+            </a:r>
+          </a:p>
+          <a:p>
+            <a:r>
+              <a:rPr lang="cs-CZ" dirty="0" err="1"/>
+              <a:t>Telerik</a:t>
+            </a:r>
+            <a:r>
+              <a:rPr lang="cs-CZ" dirty="0"/>
+              <a:t> UI for </a:t>
+            </a:r>
+            <a:r>
+              <a:rPr lang="cs-CZ" dirty="0" err="1"/>
+              <a:t>Blazor</a:t>
+            </a:r>
+            <a:r>
+              <a:rPr lang="cs-CZ" dirty="0"/>
+              <a:t> (</a:t>
+            </a:r>
+            <a:r>
+              <a:rPr lang="cs-CZ" dirty="0">
+                <a:hlinkClick r:id="rId4"/>
+              </a:rPr>
+              <a:t>https://www.telerik.com/</a:t>
+            </a:r>
+            <a:r>
+              <a:rPr lang="cs-CZ" dirty="0" err="1">
+                <a:hlinkClick r:id="rId4"/>
+              </a:rPr>
+              <a:t>blazor-ui</a:t>
+            </a:r>
+            <a:r>
+              <a:rPr lang="cs-CZ" dirty="0"/>
+              <a:t>)</a:t>
+            </a:r>
+          </a:p>
+          <a:p>
+            <a:r>
+              <a:rPr lang="cs-CZ" dirty="0" err="1"/>
+              <a:t>Syncfusion</a:t>
+            </a:r>
+            <a:r>
+              <a:rPr lang="cs-CZ" dirty="0"/>
+              <a:t> (</a:t>
+            </a:r>
+            <a:r>
+              <a:rPr lang="cs-CZ" dirty="0">
+                <a:hlinkClick r:id="rId5"/>
+              </a:rPr>
+              <a:t>https://www.syncfusion.com/</a:t>
+            </a:r>
+            <a:r>
+              <a:rPr lang="cs-CZ" dirty="0" err="1">
+                <a:hlinkClick r:id="rId5"/>
+              </a:rPr>
+              <a:t>blazor-components</a:t>
+            </a:r>
+            <a:r>
+              <a:rPr lang="cs-CZ" dirty="0"/>
+              <a:t>)</a:t>
+            </a:r>
+          </a:p>
+          <a:p>
+            <a:pPr marL="0" indent="0">
+              <a:buNone/>
+            </a:pPr>
+            <a:endParaRPr lang="cs-CZ" dirty="0"/>
+          </a:p>
+        </p:txBody>
+      </p:sp>
+    </p:spTree>
+    <p:extLst>
+      <p:ext uri="{BB962C8B-B14F-4D97-AF65-F5344CB8AC3E}">
+        <p14:creationId xmlns:p14="http://schemas.microsoft.com/office/powerpoint/2010/main" val="648275419"/>
+      </p:ext>
+    </p:extLst>
+  </p:cSld>
+  <p:clrMapOvr>
+    <a:masterClrMapping/>
+  </p:clrMapOvr>
+  <mc:AlternateContent xmlns:mc="http://schemas.openxmlformats.org/markup-compatibility/2006" xmlns:p14="http://schemas.microsoft.com/office/powerpoint/2010/main">
+    <mc:Choice Requires="p14">
+      <p:transition spd="med" p14:dur="700">
+        <p:fade/>
+      </p:transition>
+    </mc:Choice>
+    <mc:Fallback xmlns="">
+      <p:transition spd="med">
+        <p:fade/>
+      </p:transition>
+    </mc:Fallback>
+  </mc:AlternateContent>
+</p:sld>
+</file>
+
+<file path=ppt/slides/slide13.xml><?xml version="1.0" encoding="utf-8"?>
+<p:sld xmlns:a="http://schemas.openxmlformats.org/drawingml/2006/main" xmlns:r="http://schemas.openxmlformats.org/officeDocument/2006/relationships" xmlns:p="http://schemas.openxmlformats.org/presentationml/2006/main">
+  <p:cSld>
+    <p:spTree>
+      <p:nvGrpSpPr>
+        <p:cNvPr id="1" name=""/>
+        <p:cNvGrpSpPr/>
+        <p:nvPr/>
+      </p:nvGrpSpPr>
+      <p:grpSpPr>
+        <a:xfrm>
+          <a:off x="0" y="0"/>
+          <a:ext cx="0" cy="0"/>
+          <a:chOff x="0" y="0"/>
+          <a:chExt cx="0" cy="0"/>
+        </a:xfrm>
+      </p:grpSpPr>
+      <p:sp>
+        <p:nvSpPr>
+          <p:cNvPr id="2" name="Nadpis 1">
+            <a:extLst>
+              <a:ext uri="{FF2B5EF4-FFF2-40B4-BE49-F238E27FC236}">
+                <a16:creationId xmlns:a16="http://schemas.microsoft.com/office/drawing/2014/main" id="{27878768-4007-45F5-9857-0C1B24BB4595}"/>
+              </a:ext>
+            </a:extLst>
+          </p:cNvPr>
+          <p:cNvSpPr>
+            <a:spLocks noGrp="1"/>
+          </p:cNvSpPr>
+          <p:nvPr>
+            <p:ph type="title"/>
+          </p:nvPr>
+        </p:nvSpPr>
+        <p:spPr/>
+        <p:txBody>
+          <a:bodyPr/>
+          <a:lstStyle/>
+          <a:p>
+            <a:r>
+              <a:rPr lang="cs-CZ" dirty="0"/>
+              <a:t>HAVIT </a:t>
+            </a:r>
+            <a:r>
+              <a:rPr lang="cs-CZ" dirty="0" err="1"/>
+              <a:t>Blazor</a:t>
+            </a:r>
+            <a:endParaRPr lang="cs-CZ" dirty="0"/>
+          </a:p>
+        </p:txBody>
+      </p:sp>
+      <p:sp>
+        <p:nvSpPr>
+          <p:cNvPr id="3" name="Zástupný obsah 2">
+            <a:extLst>
+              <a:ext uri="{FF2B5EF4-FFF2-40B4-BE49-F238E27FC236}">
+                <a16:creationId xmlns:a16="http://schemas.microsoft.com/office/drawing/2014/main" id="{1F343589-4780-44D8-8FFB-AF0A2452D908}"/>
+              </a:ext>
+            </a:extLst>
+          </p:cNvPr>
+          <p:cNvSpPr>
+            <a:spLocks noGrp="1"/>
+          </p:cNvSpPr>
+          <p:nvPr>
+            <p:ph idx="1"/>
+          </p:nvPr>
+        </p:nvSpPr>
+        <p:spPr/>
+        <p:txBody>
+          <a:bodyPr/>
+          <a:lstStyle/>
+          <a:p>
+            <a:r>
+              <a:rPr lang="cs-CZ" dirty="0" err="1"/>
+              <a:t>Blazor</a:t>
+            </a:r>
+            <a:r>
+              <a:rPr lang="cs-CZ" dirty="0"/>
+              <a:t> &amp; </a:t>
+            </a:r>
+            <a:r>
+              <a:rPr lang="cs-CZ" dirty="0" err="1"/>
+              <a:t>Bootstrap</a:t>
+            </a:r>
+            <a:r>
+              <a:rPr lang="cs-CZ" dirty="0"/>
+              <a:t> 5</a:t>
+            </a:r>
+          </a:p>
+          <a:p>
+            <a:r>
+              <a:rPr lang="cs-CZ" dirty="0">
+                <a:hlinkClick r:id="rId2"/>
+              </a:rPr>
+              <a:t>https://havit.blazor.eu</a:t>
+            </a:r>
+            <a:endParaRPr lang="cs-CZ" dirty="0"/>
+          </a:p>
+          <a:p>
+            <a:endParaRPr lang="cs-CZ" dirty="0"/>
+          </a:p>
+          <a:p>
+            <a:endParaRPr lang="cs-CZ" dirty="0"/>
+          </a:p>
+          <a:p>
+            <a:endParaRPr lang="cs-CZ" dirty="0"/>
+          </a:p>
+        </p:txBody>
+      </p:sp>
+      <p:pic>
+        <p:nvPicPr>
+          <p:cNvPr id="6" name="Picture 5">
+            <a:extLst>
+              <a:ext uri="{FF2B5EF4-FFF2-40B4-BE49-F238E27FC236}">
+                <a16:creationId xmlns:a16="http://schemas.microsoft.com/office/drawing/2014/main" id="{CD005901-C07D-EE42-F563-A727AF134A76}"/>
+              </a:ext>
+            </a:extLst>
+          </p:cNvPr>
+          <p:cNvPicPr>
+            <a:picLocks noChangeAspect="1"/>
+          </p:cNvPicPr>
+          <p:nvPr/>
+        </p:nvPicPr>
+        <p:blipFill>
+          <a:blip r:embed="rId3"/>
+          <a:stretch>
+            <a:fillRect/>
+          </a:stretch>
+        </p:blipFill>
+        <p:spPr>
+          <a:xfrm>
+            <a:off x="4305645" y="99392"/>
+            <a:ext cx="8631115" cy="6858000"/>
+          </a:xfrm>
+          <a:prstGeom prst="rect">
+            <a:avLst/>
+          </a:prstGeom>
+        </p:spPr>
+      </p:pic>
+    </p:spTree>
+    <p:extLst>
+      <p:ext uri="{BB962C8B-B14F-4D97-AF65-F5344CB8AC3E}">
+        <p14:creationId xmlns:p14="http://schemas.microsoft.com/office/powerpoint/2010/main" val="3887456304"/>
+      </p:ext>
+    </p:extLst>
+  </p:cSld>
+  <p:clrMapOvr>
+    <a:masterClrMapping/>
+  </p:clrMapOvr>
+  <mc:AlternateContent xmlns:mc="http://schemas.openxmlformats.org/markup-compatibility/2006" xmlns:p14="http://schemas.microsoft.com/office/powerpoint/2010/main">
+    <mc:Choice Requires="p14">
+      <p:transition spd="med" p14:dur="700">
+        <p:fade/>
+      </p:transition>
+    </mc:Choice>
+    <mc:Fallback xmlns="">
+      <p:transition spd="med">
+        <p:fade/>
+      </p:transition>
+    </mc:Fallback>
+  </mc:AlternateContent>
+</p:sld>
+</file>
+
 <file path=ppt/slides/slide2.xml><?xml version="1.0" encoding="utf-8"?>
 <p:sld xmlns:a="http://schemas.openxmlformats.org/drawingml/2006/main" xmlns:r="http://schemas.openxmlformats.org/officeDocument/2006/relationships" xmlns:p="http://schemas.openxmlformats.org/presentationml/2006/main">
   <p:cSld>
@@ -4302,6 +5091,53 @@
           </a:p>
         </p:txBody>
       </p:sp>
+      <p:pic>
+        <p:nvPicPr>
+          <p:cNvPr id="4" name="Picture 2" descr="Image result for demo">
+            <a:extLst>
+              <a:ext uri="{FF2B5EF4-FFF2-40B4-BE49-F238E27FC236}">
+                <a16:creationId xmlns:a16="http://schemas.microsoft.com/office/drawing/2014/main" id="{0F844A00-6CAC-D5FC-F066-3F83C78B337A}"/>
+              </a:ext>
+            </a:extLst>
+          </p:cNvPr>
+          <p:cNvPicPr>
+            <a:picLocks noChangeAspect="1" noChangeArrowheads="1"/>
+          </p:cNvPicPr>
+          <p:nvPr/>
+        </p:nvPicPr>
+        <p:blipFill>
+          <a:blip r:embed="rId2">
+            <a:extLst>
+              <a:ext uri="{28A0092B-C50C-407E-A947-70E740481C1C}">
+                <a14:useLocalDpi xmlns:a14="http://schemas.microsoft.com/office/drawing/2010/main" val="0"/>
+              </a:ext>
+            </a:extLst>
+          </a:blip>
+          <a:srcRect/>
+          <a:stretch>
+            <a:fillRect/>
+          </a:stretch>
+        </p:blipFill>
+        <p:spPr bwMode="auto">
+          <a:xfrm>
+            <a:off x="6600056" y="280849"/>
+            <a:ext cx="5842620" cy="2430530"/>
+          </a:xfrm>
+          <a:prstGeom prst="rect">
+            <a:avLst/>
+          </a:prstGeom>
+          <a:noFill/>
+          <a:extLst>
+            <a:ext uri="{909E8E84-426E-40DD-AFC4-6F175D3DCCD1}">
+              <a14:hiddenFill xmlns:a14="http://schemas.microsoft.com/office/drawing/2010/main">
+                <a:solidFill>
+                  <a:srgbClr val="FFFFFF"/>
+                </a:solidFill>
+              </a14:hiddenFill>
+            </a:ext>
+          </a:extLst>
+        </p:spPr>
+      </p:pic>
     </p:spTree>
     <p:extLst>
       <p:ext uri="{BB962C8B-B14F-4D97-AF65-F5344CB8AC3E}">
@@ -4460,6 +5296,53 @@
           </a:p>
         </p:txBody>
       </p:sp>
+      <p:pic>
+        <p:nvPicPr>
+          <p:cNvPr id="4" name="Picture 2" descr="Image result for demo">
+            <a:extLst>
+              <a:ext uri="{FF2B5EF4-FFF2-40B4-BE49-F238E27FC236}">
+                <a16:creationId xmlns:a16="http://schemas.microsoft.com/office/drawing/2014/main" id="{9F3F5F27-57EF-04CC-99A3-11D5652BDCC6}"/>
+              </a:ext>
+            </a:extLst>
+          </p:cNvPr>
+          <p:cNvPicPr>
+            <a:picLocks noChangeAspect="1" noChangeArrowheads="1"/>
+          </p:cNvPicPr>
+          <p:nvPr/>
+        </p:nvPicPr>
+        <p:blipFill>
+          <a:blip r:embed="rId2">
+            <a:extLst>
+              <a:ext uri="{28A0092B-C50C-407E-A947-70E740481C1C}">
+                <a14:useLocalDpi xmlns:a14="http://schemas.microsoft.com/office/drawing/2010/main" val="0"/>
+              </a:ext>
+            </a:extLst>
+          </a:blip>
+          <a:srcRect/>
+          <a:stretch>
+            <a:fillRect/>
+          </a:stretch>
+        </p:blipFill>
+        <p:spPr bwMode="auto">
+          <a:xfrm>
+            <a:off x="6600056" y="280849"/>
+            <a:ext cx="5842620" cy="2430530"/>
+          </a:xfrm>
+          <a:prstGeom prst="rect">
+            <a:avLst/>
+          </a:prstGeom>
+          <a:noFill/>
+          <a:extLst>
+            <a:ext uri="{909E8E84-426E-40DD-AFC4-6F175D3DCCD1}">
+              <a14:hiddenFill xmlns:a14="http://schemas.microsoft.com/office/drawing/2010/main">
+                <a:solidFill>
+                  <a:srgbClr val="FFFFFF"/>
+                </a:solidFill>
+              </a14:hiddenFill>
+            </a:ext>
+          </a:extLst>
+        </p:spPr>
+      </p:pic>
     </p:spTree>
     <p:extLst>
       <p:ext uri="{BB962C8B-B14F-4D97-AF65-F5344CB8AC3E}">
@@ -4643,6 +5526,53 @@
           </a:p>
         </p:txBody>
       </p:sp>
+      <p:pic>
+        <p:nvPicPr>
+          <p:cNvPr id="4" name="Picture 2" descr="Image result for demo">
+            <a:extLst>
+              <a:ext uri="{FF2B5EF4-FFF2-40B4-BE49-F238E27FC236}">
+                <a16:creationId xmlns:a16="http://schemas.microsoft.com/office/drawing/2014/main" id="{BAEAF2D7-8358-E774-BA6B-5E321C1477BE}"/>
+              </a:ext>
+            </a:extLst>
+          </p:cNvPr>
+          <p:cNvPicPr>
+            <a:picLocks noChangeAspect="1" noChangeArrowheads="1"/>
+          </p:cNvPicPr>
+          <p:nvPr/>
+        </p:nvPicPr>
+        <p:blipFill>
+          <a:blip r:embed="rId2">
+            <a:extLst>
+              <a:ext uri="{28A0092B-C50C-407E-A947-70E740481C1C}">
+                <a14:useLocalDpi xmlns:a14="http://schemas.microsoft.com/office/drawing/2010/main" val="0"/>
+              </a:ext>
+            </a:extLst>
+          </a:blip>
+          <a:srcRect/>
+          <a:stretch>
+            <a:fillRect/>
+          </a:stretch>
+        </p:blipFill>
+        <p:spPr bwMode="auto">
+          <a:xfrm>
+            <a:off x="6600056" y="280849"/>
+            <a:ext cx="5842620" cy="2430530"/>
+          </a:xfrm>
+          <a:prstGeom prst="rect">
+            <a:avLst/>
+          </a:prstGeom>
+          <a:noFill/>
+          <a:extLst>
+            <a:ext uri="{909E8E84-426E-40DD-AFC4-6F175D3DCCD1}">
+              <a14:hiddenFill xmlns:a14="http://schemas.microsoft.com/office/drawing/2010/main">
+                <a:solidFill>
+                  <a:srgbClr val="FFFFFF"/>
+                </a:solidFill>
+              </a14:hiddenFill>
+            </a:ext>
+          </a:extLst>
+        </p:spPr>
+      </p:pic>
     </p:spTree>
     <p:extLst>
       <p:ext uri="{BB962C8B-B14F-4D97-AF65-F5344CB8AC3E}">
@@ -4750,12 +5680,6 @@
           <a:p>
             <a:r>
               <a:rPr lang="cs-CZ" dirty="0"/>
-              <a:t>@using</a:t>
-            </a:r>
-          </a:p>
-          <a:p>
-            <a:r>
-              <a:rPr lang="cs-CZ" dirty="0"/>
               <a:t>@try, catch, finally</a:t>
             </a:r>
           </a:p>
@@ -4770,6 +5694,53 @@
           </a:p>
         </p:txBody>
       </p:sp>
+      <p:pic>
+        <p:nvPicPr>
+          <p:cNvPr id="4" name="Picture 2" descr="Image result for demo">
+            <a:extLst>
+              <a:ext uri="{FF2B5EF4-FFF2-40B4-BE49-F238E27FC236}">
+                <a16:creationId xmlns:a16="http://schemas.microsoft.com/office/drawing/2014/main" id="{02E6ABA7-BE53-9BE3-BBBB-A4620504252C}"/>
+              </a:ext>
+            </a:extLst>
+          </p:cNvPr>
+          <p:cNvPicPr>
+            <a:picLocks noChangeAspect="1" noChangeArrowheads="1"/>
+          </p:cNvPicPr>
+          <p:nvPr/>
+        </p:nvPicPr>
+        <p:blipFill>
+          <a:blip r:embed="rId2">
+            <a:extLst>
+              <a:ext uri="{28A0092B-C50C-407E-A947-70E740481C1C}">
+                <a14:useLocalDpi xmlns:a14="http://schemas.microsoft.com/office/drawing/2010/main" val="0"/>
+              </a:ext>
+            </a:extLst>
+          </a:blip>
+          <a:srcRect/>
+          <a:stretch>
+            <a:fillRect/>
+          </a:stretch>
+        </p:blipFill>
+        <p:spPr bwMode="auto">
+          <a:xfrm>
+            <a:off x="6600056" y="280849"/>
+            <a:ext cx="5842620" cy="2430530"/>
+          </a:xfrm>
+          <a:prstGeom prst="rect">
+            <a:avLst/>
+          </a:prstGeom>
+          <a:noFill/>
+          <a:extLst>
+            <a:ext uri="{909E8E84-426E-40DD-AFC4-6F175D3DCCD1}">
+              <a14:hiddenFill xmlns:a14="http://schemas.microsoft.com/office/drawing/2010/main">
+                <a:solidFill>
+                  <a:srgbClr val="FFFFFF"/>
+                </a:solidFill>
+              </a14:hiddenFill>
+            </a:ext>
+          </a:extLst>
+        </p:spPr>
+      </p:pic>
     </p:spTree>
     <p:extLst>
       <p:ext uri="{BB962C8B-B14F-4D97-AF65-F5344CB8AC3E}">
@@ -4930,6 +5901,53 @@
           </a:p>
         </p:txBody>
       </p:sp>
+      <p:pic>
+        <p:nvPicPr>
+          <p:cNvPr id="4" name="Picture 2" descr="Image result for demo">
+            <a:extLst>
+              <a:ext uri="{FF2B5EF4-FFF2-40B4-BE49-F238E27FC236}">
+                <a16:creationId xmlns:a16="http://schemas.microsoft.com/office/drawing/2014/main" id="{0467E106-D67D-AFE0-3819-29F868A804CF}"/>
+              </a:ext>
+            </a:extLst>
+          </p:cNvPr>
+          <p:cNvPicPr>
+            <a:picLocks noChangeAspect="1" noChangeArrowheads="1"/>
+          </p:cNvPicPr>
+          <p:nvPr/>
+        </p:nvPicPr>
+        <p:blipFill>
+          <a:blip r:embed="rId2">
+            <a:extLst>
+              <a:ext uri="{28A0092B-C50C-407E-A947-70E740481C1C}">
+                <a14:useLocalDpi xmlns:a14="http://schemas.microsoft.com/office/drawing/2010/main" val="0"/>
+              </a:ext>
+            </a:extLst>
+          </a:blip>
+          <a:srcRect/>
+          <a:stretch>
+            <a:fillRect/>
+          </a:stretch>
+        </p:blipFill>
+        <p:spPr bwMode="auto">
+          <a:xfrm>
+            <a:off x="6600056" y="280849"/>
+            <a:ext cx="5842620" cy="2430530"/>
+          </a:xfrm>
+          <a:prstGeom prst="rect">
+            <a:avLst/>
+          </a:prstGeom>
+          <a:noFill/>
+          <a:extLst>
+            <a:ext uri="{909E8E84-426E-40DD-AFC4-6F175D3DCCD1}">
+              <a14:hiddenFill xmlns:a14="http://schemas.microsoft.com/office/drawing/2010/main">
+                <a:solidFill>
+                  <a:srgbClr val="FFFFFF"/>
+                </a:solidFill>
+              </a14:hiddenFill>
+            </a:ext>
+          </a:extLst>
+        </p:spPr>
+      </p:pic>
     </p:spTree>
     <p:extLst>
       <p:ext uri="{BB962C8B-B14F-4D97-AF65-F5344CB8AC3E}">
@@ -5031,7 +6049,7 @@
           <a:p>
             <a:r>
               <a:rPr lang="cs-CZ" dirty="0"/>
-              <a:t>@bind</a:t>
+              <a:t>@bind-…, @bind-…:after</a:t>
             </a:r>
           </a:p>
           <a:p>
@@ -5060,6 +6078,53 @@
           </a:p>
         </p:txBody>
       </p:sp>
+      <p:pic>
+        <p:nvPicPr>
+          <p:cNvPr id="4" name="Picture 2" descr="Image result for demo">
+            <a:extLst>
+              <a:ext uri="{FF2B5EF4-FFF2-40B4-BE49-F238E27FC236}">
+                <a16:creationId xmlns:a16="http://schemas.microsoft.com/office/drawing/2014/main" id="{A7593B38-E574-85E3-E7A3-CE00D568A00D}"/>
+              </a:ext>
+            </a:extLst>
+          </p:cNvPr>
+          <p:cNvPicPr>
+            <a:picLocks noChangeAspect="1" noChangeArrowheads="1"/>
+          </p:cNvPicPr>
+          <p:nvPr/>
+        </p:nvPicPr>
+        <p:blipFill>
+          <a:blip r:embed="rId2">
+            <a:extLst>
+              <a:ext uri="{28A0092B-C50C-407E-A947-70E740481C1C}">
+                <a14:useLocalDpi xmlns:a14="http://schemas.microsoft.com/office/drawing/2010/main" val="0"/>
+              </a:ext>
+            </a:extLst>
+          </a:blip>
+          <a:srcRect/>
+          <a:stretch>
+            <a:fillRect/>
+          </a:stretch>
+        </p:blipFill>
+        <p:spPr bwMode="auto">
+          <a:xfrm>
+            <a:off x="6600056" y="280849"/>
+            <a:ext cx="5842620" cy="2430530"/>
+          </a:xfrm>
+          <a:prstGeom prst="rect">
+            <a:avLst/>
+          </a:prstGeom>
+          <a:noFill/>
+          <a:extLst>
+            <a:ext uri="{909E8E84-426E-40DD-AFC4-6F175D3DCCD1}">
+              <a14:hiddenFill xmlns:a14="http://schemas.microsoft.com/office/drawing/2010/main">
+                <a:solidFill>
+                  <a:srgbClr val="FFFFFF"/>
+                </a:solidFill>
+              </a14:hiddenFill>
+            </a:ext>
+          </a:extLst>
+        </p:spPr>
+      </p:pic>
     </p:spTree>
     <p:extLst>
       <p:ext uri="{BB962C8B-B14F-4D97-AF65-F5344CB8AC3E}">
@@ -5208,6 +6273,53 @@
           </a:p>
         </p:txBody>
       </p:sp>
+      <p:pic>
+        <p:nvPicPr>
+          <p:cNvPr id="4" name="Picture 2" descr="Image result for demo">
+            <a:extLst>
+              <a:ext uri="{FF2B5EF4-FFF2-40B4-BE49-F238E27FC236}">
+                <a16:creationId xmlns:a16="http://schemas.microsoft.com/office/drawing/2014/main" id="{59DBDE85-4F37-D32C-91FB-0F0178E6D097}"/>
+              </a:ext>
+            </a:extLst>
+          </p:cNvPr>
+          <p:cNvPicPr>
+            <a:picLocks noChangeAspect="1" noChangeArrowheads="1"/>
+          </p:cNvPicPr>
+          <p:nvPr/>
+        </p:nvPicPr>
+        <p:blipFill>
+          <a:blip r:embed="rId2">
+            <a:extLst>
+              <a:ext uri="{28A0092B-C50C-407E-A947-70E740481C1C}">
+                <a14:useLocalDpi xmlns:a14="http://schemas.microsoft.com/office/drawing/2010/main" val="0"/>
+              </a:ext>
+            </a:extLst>
+          </a:blip>
+          <a:srcRect/>
+          <a:stretch>
+            <a:fillRect/>
+          </a:stretch>
+        </p:blipFill>
+        <p:spPr bwMode="auto">
+          <a:xfrm>
+            <a:off x="6600056" y="280849"/>
+            <a:ext cx="5842620" cy="2430530"/>
+          </a:xfrm>
+          <a:prstGeom prst="rect">
+            <a:avLst/>
+          </a:prstGeom>
+          <a:noFill/>
+          <a:extLst>
+            <a:ext uri="{909E8E84-426E-40DD-AFC4-6F175D3DCCD1}">
+              <a14:hiddenFill xmlns:a14="http://schemas.microsoft.com/office/drawing/2010/main">
+                <a:solidFill>
+                  <a:srgbClr val="FFFFFF"/>
+                </a:solidFill>
+              </a14:hiddenFill>
+            </a:ext>
+          </a:extLst>
+        </p:spPr>
+      </p:pic>
     </p:spTree>
     <p:extLst>
       <p:ext uri="{BB962C8B-B14F-4D97-AF65-F5344CB8AC3E}">
@@ -5809,21 +6921,6 @@
 </file>
 
 <file path=customXml/item1.xml><?xml version="1.0" encoding="utf-8"?>
-<?mso-contentType ?>
-<FormTemplates xmlns="http://schemas.microsoft.com/sharepoint/v3/contenttype/forms">
-  <Display>DocumentLibraryForm</Display>
-  <Edit>DocumentLibraryForm</Edit>
-  <New>DocumentLibraryForm</New>
-</FormTemplates>
-</file>
-
-<file path=customXml/item2.xml><?xml version="1.0" encoding="utf-8"?>
-<p:properties xmlns:p="http://schemas.microsoft.com/office/2006/metadata/properties" xmlns:xsi="http://www.w3.org/2001/XMLSchema-instance" xmlns:pc="http://schemas.microsoft.com/office/infopath/2007/PartnerControls">
-  <documentManagement/>
-</p:properties>
-</file>
-
-<file path=customXml/item3.xml><?xml version="1.0" encoding="utf-8"?>
 <ct:contentTypeSchema xmlns:ct="http://schemas.microsoft.com/office/2006/metadata/contentType" xmlns:ma="http://schemas.microsoft.com/office/2006/metadata/properties/metaAttributes" ct:_="" ma:_="" ma:contentTypeName="Dokument" ma:contentTypeID="0x0101000FED9D5FE1F44145801737A7BA47560B" ma:contentTypeVersion="0" ma:contentTypeDescription="Vytvoří nový dokument" ma:contentTypeScope="" ma:versionID="865cee90d61be235413a64cabd79a281">
   <xsd:schema xmlns:xsd="http://www.w3.org/2001/XMLSchema" xmlns:xs="http://www.w3.org/2001/XMLSchema" xmlns:p="http://schemas.microsoft.com/office/2006/metadata/properties" targetNamespace="http://schemas.microsoft.com/office/2006/metadata/properties" ma:root="true" ma:fieldsID="871d6b51c5141eb32e0d04e037372b3c">
     <xsd:element name="properties">
@@ -5937,10 +7034,33 @@
 </ct:contentTypeSchema>
 </file>
 
+<file path=customXml/item2.xml><?xml version="1.0" encoding="utf-8"?>
+<p:properties xmlns:p="http://schemas.microsoft.com/office/2006/metadata/properties" xmlns:xsi="http://www.w3.org/2001/XMLSchema-instance" xmlns:pc="http://schemas.microsoft.com/office/infopath/2007/PartnerControls">
+  <documentManagement/>
+</p:properties>
+</file>
+
+<file path=customXml/item3.xml><?xml version="1.0" encoding="utf-8"?>
+<?mso-contentType ?>
+<FormTemplates xmlns="http://schemas.microsoft.com/sharepoint/v3/contenttype/forms">
+  <Display>DocumentLibraryForm</Display>
+  <Edit>DocumentLibraryForm</Edit>
+  <New>DocumentLibraryForm</New>
+</FormTemplates>
+</file>
+
 <file path=customXml/itemProps1.xml><?xml version="1.0" encoding="utf-8"?>
-<ds:datastoreItem xmlns:ds="http://schemas.openxmlformats.org/officeDocument/2006/customXml" ds:itemID="{B22238E5-BDC0-4655-AFB5-A7405C559E7D}">
+<ds:datastoreItem xmlns:ds="http://schemas.openxmlformats.org/officeDocument/2006/customXml" ds:itemID="{BABDB233-CC77-4AD7-B48B-2F061438568A}">
   <ds:schemaRefs>
-    <ds:schemaRef ds:uri="http://schemas.microsoft.com/sharepoint/v3/contenttype/forms"/>
+    <ds:schemaRef ds:uri="http://schemas.microsoft.com/office/2006/metadata/contentType"/>
+    <ds:schemaRef ds:uri="http://schemas.microsoft.com/office/2006/metadata/properties/metaAttributes"/>
+    <ds:schemaRef ds:uri="http://www.w3.org/2001/XMLSchema"/>
+    <ds:schemaRef ds:uri="http://schemas.microsoft.com/office/2006/metadata/properties"/>
+    <ds:schemaRef ds:uri="http://schemas.openxmlformats.org/package/2006/metadata/core-properties"/>
+    <ds:schemaRef ds:uri="http://purl.org/dc/elements/1.1/"/>
+    <ds:schemaRef ds:uri="http://purl.org/dc/terms/"/>
+    <ds:schemaRef ds:uri="http://schemas.microsoft.com/internal/obd"/>
+    <ds:schemaRef ds:uri="http://schemas.microsoft.com/office/infopath/2007/PartnerControls"/>
   </ds:schemaRefs>
 </ds:datastoreItem>
 </file>
@@ -5955,17 +7075,9 @@
 </file>
 
 <file path=customXml/itemProps3.xml><?xml version="1.0" encoding="utf-8"?>
-<ds:datastoreItem xmlns:ds="http://schemas.openxmlformats.org/officeDocument/2006/customXml" ds:itemID="{BABDB233-CC77-4AD7-B48B-2F061438568A}">
+<ds:datastoreItem xmlns:ds="http://schemas.openxmlformats.org/officeDocument/2006/customXml" ds:itemID="{B22238E5-BDC0-4655-AFB5-A7405C559E7D}">
   <ds:schemaRefs>
-    <ds:schemaRef ds:uri="http://schemas.microsoft.com/office/2006/metadata/contentType"/>
-    <ds:schemaRef ds:uri="http://schemas.microsoft.com/office/2006/metadata/properties/metaAttributes"/>
-    <ds:schemaRef ds:uri="http://www.w3.org/2001/XMLSchema"/>
-    <ds:schemaRef ds:uri="http://schemas.microsoft.com/office/2006/metadata/properties"/>
-    <ds:schemaRef ds:uri="http://schemas.openxmlformats.org/package/2006/metadata/core-properties"/>
-    <ds:schemaRef ds:uri="http://purl.org/dc/elements/1.1/"/>
-    <ds:schemaRef ds:uri="http://purl.org/dc/terms/"/>
-    <ds:schemaRef ds:uri="http://schemas.microsoft.com/internal/obd"/>
-    <ds:schemaRef ds:uri="http://schemas.microsoft.com/office/infopath/2007/PartnerControls"/>
+    <ds:schemaRef ds:uri="http://schemas.microsoft.com/sharepoint/v3/contenttype/forms"/>
   </ds:schemaRefs>
 </ds:datastoreItem>
 </file>
--- a/Presentation/02 - Blazor - Komponenty.pptx
+++ b/Presentation/02 - Blazor - Komponenty.pptx
@@ -251,7 +251,7 @@
             <a:fld id="{A74C3DD1-6B4C-423E-A696-BD4124EC33BC}" type="datetimeFigureOut">
               <a:rPr lang="cs-CZ" smtClean="0"/>
               <a:pPr/>
-              <a:t>12.01.2024</a:t>
+              <a:t>14.02.2024</a:t>
             </a:fld>
             <a:endParaRPr lang="cs-CZ" dirty="0"/>
           </a:p>
@@ -718,7 +718,7 @@
           <a:p>
             <a:fld id="{0DA6F2F8-F70A-47D7-AD2D-4F12E71A0C18}" type="datetimeFigureOut">
               <a:rPr lang="cs-CZ" smtClean="0"/>
-              <a:t>12.01.2024</a:t>
+              <a:t>14.02.2024</a:t>
             </a:fld>
             <a:endParaRPr lang="cs-CZ"/>
           </a:p>
@@ -900,7 +900,7 @@
           <a:p>
             <a:fld id="{0DA6F2F8-F70A-47D7-AD2D-4F12E71A0C18}" type="datetimeFigureOut">
               <a:rPr lang="cs-CZ" smtClean="0"/>
-              <a:t>12.01.2024</a:t>
+              <a:t>14.02.2024</a:t>
             </a:fld>
             <a:endParaRPr lang="cs-CZ"/>
           </a:p>
@@ -1092,7 +1092,7 @@
           <a:p>
             <a:fld id="{0DA6F2F8-F70A-47D7-AD2D-4F12E71A0C18}" type="datetimeFigureOut">
               <a:rPr lang="cs-CZ" smtClean="0"/>
-              <a:t>12.01.2024</a:t>
+              <a:t>14.02.2024</a:t>
             </a:fld>
             <a:endParaRPr lang="cs-CZ"/>
           </a:p>
@@ -1307,7 +1307,7 @@
           <a:p>
             <a:fld id="{0DA6F2F8-F70A-47D7-AD2D-4F12E71A0C18}" type="datetimeFigureOut">
               <a:rPr lang="cs-CZ" smtClean="0"/>
-              <a:t>12.01.2024</a:t>
+              <a:t>14.02.2024</a:t>
             </a:fld>
             <a:endParaRPr lang="cs-CZ"/>
           </a:p>
@@ -1582,7 +1582,7 @@
           <a:p>
             <a:fld id="{0DA6F2F8-F70A-47D7-AD2D-4F12E71A0C18}" type="datetimeFigureOut">
               <a:rPr lang="cs-CZ" smtClean="0"/>
-              <a:t>12.01.2024</a:t>
+              <a:t>14.02.2024</a:t>
             </a:fld>
             <a:endParaRPr lang="cs-CZ"/>
           </a:p>
@@ -1899,7 +1899,7 @@
           <a:p>
             <a:fld id="{0DA6F2F8-F70A-47D7-AD2D-4F12E71A0C18}" type="datetimeFigureOut">
               <a:rPr lang="cs-CZ" smtClean="0"/>
-              <a:t>12.01.2024</a:t>
+              <a:t>14.02.2024</a:t>
             </a:fld>
             <a:endParaRPr lang="cs-CZ" dirty="0"/>
           </a:p>
@@ -2350,7 +2350,7 @@
           <a:p>
             <a:fld id="{0DA6F2F8-F70A-47D7-AD2D-4F12E71A0C18}" type="datetimeFigureOut">
               <a:rPr lang="cs-CZ" smtClean="0"/>
-              <a:t>12.01.2024</a:t>
+              <a:t>14.02.2024</a:t>
             </a:fld>
             <a:endParaRPr lang="cs-CZ"/>
           </a:p>
@@ -2497,7 +2497,7 @@
           <a:p>
             <a:fld id="{0DA6F2F8-F70A-47D7-AD2D-4F12E71A0C18}" type="datetimeFigureOut">
               <a:rPr lang="cs-CZ" smtClean="0"/>
-              <a:t>12.01.2024</a:t>
+              <a:t>14.02.2024</a:t>
             </a:fld>
             <a:endParaRPr lang="cs-CZ"/>
           </a:p>
@@ -2604,7 +2604,7 @@
           <a:p>
             <a:fld id="{0DA6F2F8-F70A-47D7-AD2D-4F12E71A0C18}" type="datetimeFigureOut">
               <a:rPr lang="cs-CZ" smtClean="0"/>
-              <a:t>12.01.2024</a:t>
+              <a:t>14.02.2024</a:t>
             </a:fld>
             <a:endParaRPr lang="cs-CZ"/>
           </a:p>
@@ -2895,7 +2895,7 @@
           <a:p>
             <a:fld id="{0DA6F2F8-F70A-47D7-AD2D-4F12E71A0C18}" type="datetimeFigureOut">
               <a:rPr lang="cs-CZ" smtClean="0"/>
-              <a:t>12.01.2024</a:t>
+              <a:t>14.02.2024</a:t>
             </a:fld>
             <a:endParaRPr lang="cs-CZ"/>
           </a:p>
@@ -3164,7 +3164,7 @@
           <a:p>
             <a:fld id="{0DA6F2F8-F70A-47D7-AD2D-4F12E71A0C18}" type="datetimeFigureOut">
               <a:rPr lang="cs-CZ" smtClean="0"/>
-              <a:t>12.01.2024</a:t>
+              <a:t>14.02.2024</a:t>
             </a:fld>
             <a:endParaRPr lang="cs-CZ"/>
           </a:p>
@@ -3428,7 +3428,7 @@
           <a:p>
             <a:fld id="{0DA6F2F8-F70A-47D7-AD2D-4F12E71A0C18}" type="datetimeFigureOut">
               <a:rPr lang="cs-CZ" smtClean="0"/>
-              <a:t>12.01.2024</a:t>
+              <a:t>14.02.2024</a:t>
             </a:fld>
             <a:endParaRPr lang="cs-CZ"/>
           </a:p>
@@ -6921,6 +6921,21 @@
 </file>
 
 <file path=customXml/item1.xml><?xml version="1.0" encoding="utf-8"?>
+<?mso-contentType ?>
+<FormTemplates xmlns="http://schemas.microsoft.com/sharepoint/v3/contenttype/forms">
+  <Display>DocumentLibraryForm</Display>
+  <Edit>DocumentLibraryForm</Edit>
+  <New>DocumentLibraryForm</New>
+</FormTemplates>
+</file>
+
+<file path=customXml/item2.xml><?xml version="1.0" encoding="utf-8"?>
+<p:properties xmlns:p="http://schemas.microsoft.com/office/2006/metadata/properties" xmlns:xsi="http://www.w3.org/2001/XMLSchema-instance" xmlns:pc="http://schemas.microsoft.com/office/infopath/2007/PartnerControls">
+  <documentManagement/>
+</p:properties>
+</file>
+
+<file path=customXml/item3.xml><?xml version="1.0" encoding="utf-8"?>
 <ct:contentTypeSchema xmlns:ct="http://schemas.microsoft.com/office/2006/metadata/contentType" xmlns:ma="http://schemas.microsoft.com/office/2006/metadata/properties/metaAttributes" ct:_="" ma:_="" ma:contentTypeName="Dokument" ma:contentTypeID="0x0101000FED9D5FE1F44145801737A7BA47560B" ma:contentTypeVersion="0" ma:contentTypeDescription="Vytvoří nový dokument" ma:contentTypeScope="" ma:versionID="865cee90d61be235413a64cabd79a281">
   <xsd:schema xmlns:xsd="http://www.w3.org/2001/XMLSchema" xmlns:xs="http://www.w3.org/2001/XMLSchema" xmlns:p="http://schemas.microsoft.com/office/2006/metadata/properties" targetNamespace="http://schemas.microsoft.com/office/2006/metadata/properties" ma:root="true" ma:fieldsID="871d6b51c5141eb32e0d04e037372b3c">
     <xsd:element name="properties">
@@ -7034,33 +7049,10 @@
 </ct:contentTypeSchema>
 </file>
 
-<file path=customXml/item2.xml><?xml version="1.0" encoding="utf-8"?>
-<p:properties xmlns:p="http://schemas.microsoft.com/office/2006/metadata/properties" xmlns:xsi="http://www.w3.org/2001/XMLSchema-instance" xmlns:pc="http://schemas.microsoft.com/office/infopath/2007/PartnerControls">
-  <documentManagement/>
-</p:properties>
-</file>
-
-<file path=customXml/item3.xml><?xml version="1.0" encoding="utf-8"?>
-<?mso-contentType ?>
-<FormTemplates xmlns="http://schemas.microsoft.com/sharepoint/v3/contenttype/forms">
-  <Display>DocumentLibraryForm</Display>
-  <Edit>DocumentLibraryForm</Edit>
-  <New>DocumentLibraryForm</New>
-</FormTemplates>
-</file>
-
 <file path=customXml/itemProps1.xml><?xml version="1.0" encoding="utf-8"?>
-<ds:datastoreItem xmlns:ds="http://schemas.openxmlformats.org/officeDocument/2006/customXml" ds:itemID="{BABDB233-CC77-4AD7-B48B-2F061438568A}">
+<ds:datastoreItem xmlns:ds="http://schemas.openxmlformats.org/officeDocument/2006/customXml" ds:itemID="{B22238E5-BDC0-4655-AFB5-A7405C559E7D}">
   <ds:schemaRefs>
-    <ds:schemaRef ds:uri="http://schemas.microsoft.com/office/2006/metadata/contentType"/>
-    <ds:schemaRef ds:uri="http://schemas.microsoft.com/office/2006/metadata/properties/metaAttributes"/>
-    <ds:schemaRef ds:uri="http://www.w3.org/2001/XMLSchema"/>
-    <ds:schemaRef ds:uri="http://schemas.microsoft.com/office/2006/metadata/properties"/>
-    <ds:schemaRef ds:uri="http://schemas.openxmlformats.org/package/2006/metadata/core-properties"/>
-    <ds:schemaRef ds:uri="http://purl.org/dc/elements/1.1/"/>
-    <ds:schemaRef ds:uri="http://purl.org/dc/terms/"/>
-    <ds:schemaRef ds:uri="http://schemas.microsoft.com/internal/obd"/>
-    <ds:schemaRef ds:uri="http://schemas.microsoft.com/office/infopath/2007/PartnerControls"/>
+    <ds:schemaRef ds:uri="http://schemas.microsoft.com/sharepoint/v3/contenttype/forms"/>
   </ds:schemaRefs>
 </ds:datastoreItem>
 </file>
@@ -7075,9 +7067,17 @@
 </file>
 
 <file path=customXml/itemProps3.xml><?xml version="1.0" encoding="utf-8"?>
-<ds:datastoreItem xmlns:ds="http://schemas.openxmlformats.org/officeDocument/2006/customXml" ds:itemID="{B22238E5-BDC0-4655-AFB5-A7405C559E7D}">
+<ds:datastoreItem xmlns:ds="http://schemas.openxmlformats.org/officeDocument/2006/customXml" ds:itemID="{BABDB233-CC77-4AD7-B48B-2F061438568A}">
   <ds:schemaRefs>
-    <ds:schemaRef ds:uri="http://schemas.microsoft.com/sharepoint/v3/contenttype/forms"/>
+    <ds:schemaRef ds:uri="http://schemas.microsoft.com/office/2006/metadata/contentType"/>
+    <ds:schemaRef ds:uri="http://schemas.microsoft.com/office/2006/metadata/properties/metaAttributes"/>
+    <ds:schemaRef ds:uri="http://www.w3.org/2001/XMLSchema"/>
+    <ds:schemaRef ds:uri="http://schemas.microsoft.com/office/2006/metadata/properties"/>
+    <ds:schemaRef ds:uri="http://schemas.openxmlformats.org/package/2006/metadata/core-properties"/>
+    <ds:schemaRef ds:uri="http://purl.org/dc/elements/1.1/"/>
+    <ds:schemaRef ds:uri="http://purl.org/dc/terms/"/>
+    <ds:schemaRef ds:uri="http://schemas.microsoft.com/internal/obd"/>
+    <ds:schemaRef ds:uri="http://schemas.microsoft.com/office/infopath/2007/PartnerControls"/>
   </ds:schemaRefs>
 </ds:datastoreItem>
 </file>
--- a/Presentation/02 - Blazor - Komponenty.pptx
+++ b/Presentation/02 - Blazor - Komponenty.pptx
@@ -251,7 +251,7 @@
             <a:fld id="{A74C3DD1-6B4C-423E-A696-BD4124EC33BC}" type="datetimeFigureOut">
               <a:rPr lang="cs-CZ" smtClean="0"/>
               <a:pPr/>
-              <a:t>14.02.2024</a:t>
+              <a:t>19.02.2024</a:t>
             </a:fld>
             <a:endParaRPr lang="cs-CZ" dirty="0"/>
           </a:p>
@@ -718,7 +718,7 @@
           <a:p>
             <a:fld id="{0DA6F2F8-F70A-47D7-AD2D-4F12E71A0C18}" type="datetimeFigureOut">
               <a:rPr lang="cs-CZ" smtClean="0"/>
-              <a:t>14.02.2024</a:t>
+              <a:t>19.02.2024</a:t>
             </a:fld>
             <a:endParaRPr lang="cs-CZ"/>
           </a:p>
@@ -900,7 +900,7 @@
           <a:p>
             <a:fld id="{0DA6F2F8-F70A-47D7-AD2D-4F12E71A0C18}" type="datetimeFigureOut">
               <a:rPr lang="cs-CZ" smtClean="0"/>
-              <a:t>14.02.2024</a:t>
+              <a:t>19.02.2024</a:t>
             </a:fld>
             <a:endParaRPr lang="cs-CZ"/>
           </a:p>
@@ -1092,7 +1092,7 @@
           <a:p>
             <a:fld id="{0DA6F2F8-F70A-47D7-AD2D-4F12E71A0C18}" type="datetimeFigureOut">
               <a:rPr lang="cs-CZ" smtClean="0"/>
-              <a:t>14.02.2024</a:t>
+              <a:t>19.02.2024</a:t>
             </a:fld>
             <a:endParaRPr lang="cs-CZ"/>
           </a:p>
@@ -1307,7 +1307,7 @@
           <a:p>
             <a:fld id="{0DA6F2F8-F70A-47D7-AD2D-4F12E71A0C18}" type="datetimeFigureOut">
               <a:rPr lang="cs-CZ" smtClean="0"/>
-              <a:t>14.02.2024</a:t>
+              <a:t>19.02.2024</a:t>
             </a:fld>
             <a:endParaRPr lang="cs-CZ"/>
           </a:p>
@@ -1582,7 +1582,7 @@
           <a:p>
             <a:fld id="{0DA6F2F8-F70A-47D7-AD2D-4F12E71A0C18}" type="datetimeFigureOut">
               <a:rPr lang="cs-CZ" smtClean="0"/>
-              <a:t>14.02.2024</a:t>
+              <a:t>19.02.2024</a:t>
             </a:fld>
             <a:endParaRPr lang="cs-CZ"/>
           </a:p>
@@ -1899,7 +1899,7 @@
           <a:p>
             <a:fld id="{0DA6F2F8-F70A-47D7-AD2D-4F12E71A0C18}" type="datetimeFigureOut">
               <a:rPr lang="cs-CZ" smtClean="0"/>
-              <a:t>14.02.2024</a:t>
+              <a:t>19.02.2024</a:t>
             </a:fld>
             <a:endParaRPr lang="cs-CZ" dirty="0"/>
           </a:p>
@@ -2350,7 +2350,7 @@
           <a:p>
             <a:fld id="{0DA6F2F8-F70A-47D7-AD2D-4F12E71A0C18}" type="datetimeFigureOut">
               <a:rPr lang="cs-CZ" smtClean="0"/>
-              <a:t>14.02.2024</a:t>
+              <a:t>19.02.2024</a:t>
             </a:fld>
             <a:endParaRPr lang="cs-CZ"/>
           </a:p>
@@ -2497,7 +2497,7 @@
           <a:p>
             <a:fld id="{0DA6F2F8-F70A-47D7-AD2D-4F12E71A0C18}" type="datetimeFigureOut">
               <a:rPr lang="cs-CZ" smtClean="0"/>
-              <a:t>14.02.2024</a:t>
+              <a:t>19.02.2024</a:t>
             </a:fld>
             <a:endParaRPr lang="cs-CZ"/>
           </a:p>
@@ -2604,7 +2604,7 @@
           <a:p>
             <a:fld id="{0DA6F2F8-F70A-47D7-AD2D-4F12E71A0C18}" type="datetimeFigureOut">
               <a:rPr lang="cs-CZ" smtClean="0"/>
-              <a:t>14.02.2024</a:t>
+              <a:t>19.02.2024</a:t>
             </a:fld>
             <a:endParaRPr lang="cs-CZ"/>
           </a:p>
@@ -2895,7 +2895,7 @@
           <a:p>
             <a:fld id="{0DA6F2F8-F70A-47D7-AD2D-4F12E71A0C18}" type="datetimeFigureOut">
               <a:rPr lang="cs-CZ" smtClean="0"/>
-              <a:t>14.02.2024</a:t>
+              <a:t>19.02.2024</a:t>
             </a:fld>
             <a:endParaRPr lang="cs-CZ"/>
           </a:p>
@@ -3164,7 +3164,7 @@
           <a:p>
             <a:fld id="{0DA6F2F8-F70A-47D7-AD2D-4F12E71A0C18}" type="datetimeFigureOut">
               <a:rPr lang="cs-CZ" smtClean="0"/>
-              <a:t>14.02.2024</a:t>
+              <a:t>19.02.2024</a:t>
             </a:fld>
             <a:endParaRPr lang="cs-CZ"/>
           </a:p>
@@ -3428,7 +3428,7 @@
           <a:p>
             <a:fld id="{0DA6F2F8-F70A-47D7-AD2D-4F12E71A0C18}" type="datetimeFigureOut">
               <a:rPr lang="cs-CZ" smtClean="0"/>
-              <a:t>14.02.2024</a:t>
+              <a:t>19.02.2024</a:t>
             </a:fld>
             <a:endParaRPr lang="cs-CZ"/>
           </a:p>
@@ -5429,7 +5429,12 @@
             <p:ph idx="1"/>
           </p:nvPr>
         </p:nvSpPr>
-        <p:spPr/>
+        <p:spPr>
+          <a:xfrm>
+            <a:off x="623392" y="1600201"/>
+            <a:ext cx="10972800" cy="4525963"/>
+          </a:xfrm>
+        </p:spPr>
         <p:txBody>
           <a:bodyPr>
             <a:normAutofit/>
@@ -5468,7 +5473,15 @@
             </a:r>
             <a:r>
               <a:rPr lang="cs-CZ" dirty="0"/>
-              <a:t>TimeSpan.FromDays(1)).ToShortDateString())</a:t>
+              <a:t>TimeSpan.FromDays(1)).</a:t>
+            </a:r>
+            <a:r>
+              <a:rPr lang="cs-CZ" dirty="0" err="1"/>
+              <a:t>ToShortDateString</a:t>
+            </a:r>
+            <a:r>
+              <a:rPr lang="cs-CZ" dirty="0"/>
+              <a:t>())</a:t>
             </a:r>
           </a:p>
           <a:p>
@@ -6921,21 +6934,6 @@
 </file>
 
 <file path=customXml/item1.xml><?xml version="1.0" encoding="utf-8"?>
-<?mso-contentType ?>
-<FormTemplates xmlns="http://schemas.microsoft.com/sharepoint/v3/contenttype/forms">
-  <Display>DocumentLibraryForm</Display>
-  <Edit>DocumentLibraryForm</Edit>
-  <New>DocumentLibraryForm</New>
-</FormTemplates>
-</file>
-
-<file path=customXml/item2.xml><?xml version="1.0" encoding="utf-8"?>
-<p:properties xmlns:p="http://schemas.microsoft.com/office/2006/metadata/properties" xmlns:xsi="http://www.w3.org/2001/XMLSchema-instance" xmlns:pc="http://schemas.microsoft.com/office/infopath/2007/PartnerControls">
-  <documentManagement/>
-</p:properties>
-</file>
-
-<file path=customXml/item3.xml><?xml version="1.0" encoding="utf-8"?>
 <ct:contentTypeSchema xmlns:ct="http://schemas.microsoft.com/office/2006/metadata/contentType" xmlns:ma="http://schemas.microsoft.com/office/2006/metadata/properties/metaAttributes" ct:_="" ma:_="" ma:contentTypeName="Dokument" ma:contentTypeID="0x0101000FED9D5FE1F44145801737A7BA47560B" ma:contentTypeVersion="0" ma:contentTypeDescription="Vytvoří nový dokument" ma:contentTypeScope="" ma:versionID="865cee90d61be235413a64cabd79a281">
   <xsd:schema xmlns:xsd="http://www.w3.org/2001/XMLSchema" xmlns:xs="http://www.w3.org/2001/XMLSchema" xmlns:p="http://schemas.microsoft.com/office/2006/metadata/properties" targetNamespace="http://schemas.microsoft.com/office/2006/metadata/properties" ma:root="true" ma:fieldsID="871d6b51c5141eb32e0d04e037372b3c">
     <xsd:element name="properties">
@@ -7049,10 +7047,33 @@
 </ct:contentTypeSchema>
 </file>
 
+<file path=customXml/item2.xml><?xml version="1.0" encoding="utf-8"?>
+<p:properties xmlns:p="http://schemas.microsoft.com/office/2006/metadata/properties" xmlns:xsi="http://www.w3.org/2001/XMLSchema-instance" xmlns:pc="http://schemas.microsoft.com/office/infopath/2007/PartnerControls">
+  <documentManagement/>
+</p:properties>
+</file>
+
+<file path=customXml/item3.xml><?xml version="1.0" encoding="utf-8"?>
+<?mso-contentType ?>
+<FormTemplates xmlns="http://schemas.microsoft.com/sharepoint/v3/contenttype/forms">
+  <Display>DocumentLibraryForm</Display>
+  <Edit>DocumentLibraryForm</Edit>
+  <New>DocumentLibraryForm</New>
+</FormTemplates>
+</file>
+
 <file path=customXml/itemProps1.xml><?xml version="1.0" encoding="utf-8"?>
-<ds:datastoreItem xmlns:ds="http://schemas.openxmlformats.org/officeDocument/2006/customXml" ds:itemID="{B22238E5-BDC0-4655-AFB5-A7405C559E7D}">
+<ds:datastoreItem xmlns:ds="http://schemas.openxmlformats.org/officeDocument/2006/customXml" ds:itemID="{BABDB233-CC77-4AD7-B48B-2F061438568A}">
   <ds:schemaRefs>
-    <ds:schemaRef ds:uri="http://schemas.microsoft.com/sharepoint/v3/contenttype/forms"/>
+    <ds:schemaRef ds:uri="http://schemas.microsoft.com/office/2006/metadata/contentType"/>
+    <ds:schemaRef ds:uri="http://schemas.microsoft.com/office/2006/metadata/properties/metaAttributes"/>
+    <ds:schemaRef ds:uri="http://www.w3.org/2001/XMLSchema"/>
+    <ds:schemaRef ds:uri="http://schemas.microsoft.com/office/2006/metadata/properties"/>
+    <ds:schemaRef ds:uri="http://schemas.openxmlformats.org/package/2006/metadata/core-properties"/>
+    <ds:schemaRef ds:uri="http://purl.org/dc/elements/1.1/"/>
+    <ds:schemaRef ds:uri="http://purl.org/dc/terms/"/>
+    <ds:schemaRef ds:uri="http://schemas.microsoft.com/internal/obd"/>
+    <ds:schemaRef ds:uri="http://schemas.microsoft.com/office/infopath/2007/PartnerControls"/>
   </ds:schemaRefs>
 </ds:datastoreItem>
 </file>
@@ -7067,17 +7088,9 @@
 </file>
 
 <file path=customXml/itemProps3.xml><?xml version="1.0" encoding="utf-8"?>
-<ds:datastoreItem xmlns:ds="http://schemas.openxmlformats.org/officeDocument/2006/customXml" ds:itemID="{BABDB233-CC77-4AD7-B48B-2F061438568A}">
+<ds:datastoreItem xmlns:ds="http://schemas.openxmlformats.org/officeDocument/2006/customXml" ds:itemID="{B22238E5-BDC0-4655-AFB5-A7405C559E7D}">
   <ds:schemaRefs>
-    <ds:schemaRef ds:uri="http://schemas.microsoft.com/office/2006/metadata/contentType"/>
-    <ds:schemaRef ds:uri="http://schemas.microsoft.com/office/2006/metadata/properties/metaAttributes"/>
-    <ds:schemaRef ds:uri="http://www.w3.org/2001/XMLSchema"/>
-    <ds:schemaRef ds:uri="http://schemas.microsoft.com/office/2006/metadata/properties"/>
-    <ds:schemaRef ds:uri="http://schemas.openxmlformats.org/package/2006/metadata/core-properties"/>
-    <ds:schemaRef ds:uri="http://purl.org/dc/elements/1.1/"/>
-    <ds:schemaRef ds:uri="http://purl.org/dc/terms/"/>
-    <ds:schemaRef ds:uri="http://schemas.microsoft.com/internal/obd"/>
-    <ds:schemaRef ds:uri="http://schemas.microsoft.com/office/infopath/2007/PartnerControls"/>
+    <ds:schemaRef ds:uri="http://schemas.microsoft.com/sharepoint/v3/contenttype/forms"/>
   </ds:schemaRefs>
 </ds:datastoreItem>
 </file>